--- a/Ceta-02-CS-Http.pptx
+++ b/Ceta-02-CS-Http.pptx
@@ -5,21 +5,15 @@
     <p:sldMasterId id="2147483648" r:id="rId1"/>
   </p:sldMasterIdLst>
   <p:notesMasterIdLst>
-    <p:notesMasterId r:id="rId14"/>
+    <p:notesMasterId r:id="rId8"/>
   </p:notesMasterIdLst>
   <p:sldIdLst>
     <p:sldId id="256" r:id="rId2"/>
     <p:sldId id="257" r:id="rId3"/>
     <p:sldId id="260" r:id="rId4"/>
     <p:sldId id="265" r:id="rId5"/>
-    <p:sldId id="258" r:id="rId6"/>
-    <p:sldId id="259" r:id="rId7"/>
-    <p:sldId id="261" r:id="rId8"/>
-    <p:sldId id="262" r:id="rId9"/>
-    <p:sldId id="266" r:id="rId10"/>
-    <p:sldId id="267" r:id="rId11"/>
-    <p:sldId id="264" r:id="rId12"/>
-    <p:sldId id="263" r:id="rId13"/>
+    <p:sldId id="264" r:id="rId6"/>
+    <p:sldId id="263" r:id="rId7"/>
   </p:sldIdLst>
   <p:sldSz cx="9144000" cy="6858000" type="screen4x3"/>
   <p:notesSz cx="6858000" cy="9144000"/>
@@ -3637,7 +3631,7 @@
 </p:sld>
 </file>
 
-<file path=ppt/slides/slide10.xml><?xml version="1.0" encoding="utf-8"?>
+<file path=ppt/slides/slide2.xml><?xml version="1.0" encoding="utf-8"?>
 <p:sld xmlns:a="http://schemas.openxmlformats.org/drawingml/2006/main" xmlns:r="http://schemas.openxmlformats.org/officeDocument/2006/relationships" xmlns:p="http://schemas.openxmlformats.org/presentationml/2006/main">
   <p:cSld>
     <p:spTree>
@@ -3671,239 +3665,91 @@
           <a:p>
             <a:r>
               <a:rPr lang="es-ES" dirty="0" smtClean="0"/>
-              <a:t>Uso básico – </a:t>
-            </a:r>
-            <a:r>
-              <a:rPr lang="es-ES" dirty="0" err="1" smtClean="0"/>
-              <a:t>checkout</a:t>
-            </a:r>
-            <a:r>
-              <a:rPr lang="es-ES" dirty="0" smtClean="0"/>
-              <a:t>/</a:t>
-            </a:r>
-            <a:r>
-              <a:rPr lang="es-ES" dirty="0" err="1" smtClean="0"/>
-              <a:t>branch</a:t>
+              <a:t>Arquitectura Cliente Servidor </a:t>
             </a:r>
             <a:endParaRPr lang="en-GB" dirty="0"/>
           </a:p>
         </p:txBody>
       </p:sp>
-      <p:sp>
-        <p:nvSpPr>
-          <p:cNvPr id="3" name="2 Marcador de contenido"/>
-          <p:cNvSpPr>
-            <a:spLocks noGrp="1"/>
-          </p:cNvSpPr>
+      <p:pic>
+        <p:nvPicPr>
+          <p:cNvPr id="4" name="3 Marcador de contenido"/>
+          <p:cNvPicPr>
+            <a:picLocks noGrp="1" noChangeAspect="1"/>
+          </p:cNvPicPr>
           <p:nvPr>
             <p:ph idx="1"/>
           </p:nvPr>
-        </p:nvSpPr>
+        </p:nvPicPr>
+        <p:blipFill>
+          <a:blip r:embed="rId2">
+            <a:extLst>
+              <a:ext uri="{28A0092B-C50C-407E-A947-70E740481C1C}">
+                <a14:useLocalDpi xmlns:a14="http://schemas.microsoft.com/office/drawing/2010/main" val="0"/>
+              </a:ext>
+            </a:extLst>
+          </a:blip>
+          <a:stretch>
+            <a:fillRect/>
+          </a:stretch>
+        </p:blipFill>
         <p:spPr>
           <a:xfrm>
-            <a:off x="457200" y="2204864"/>
-            <a:ext cx="8229600" cy="3921299"/>
+            <a:off x="2051720" y="3140968"/>
+            <a:ext cx="5308131" cy="2607928"/>
           </a:xfrm>
         </p:spPr>
-        <p:txBody>
-          <a:bodyPr>
-            <a:normAutofit fontScale="62500" lnSpcReduction="20000"/>
+      </p:pic>
+      <p:sp>
+        <p:nvSpPr>
+          <p:cNvPr id="5" name="4 CuadroTexto"/>
+          <p:cNvSpPr txBox="1"/>
+          <p:nvPr/>
+        </p:nvSpPr>
+        <p:spPr>
+          <a:xfrm>
+            <a:off x="1907704" y="1628800"/>
+            <a:ext cx="5688632" cy="1200329"/>
+          </a:xfrm>
+          <a:prstGeom prst="rect">
+            <a:avLst/>
+          </a:prstGeom>
+          <a:noFill/>
+        </p:spPr>
+        <p:txBody>
+          <a:bodyPr wrap="square" rtlCol="0">
+            <a:spAutoFit/>
           </a:bodyPr>
           <a:lstStyle/>
           <a:p>
-            <a:pPr marL="0" indent="0">
-              <a:buNone/>
-            </a:pPr>
-            <a:r>
-              <a:rPr lang="es-ES" dirty="0" smtClean="0"/>
-              <a:t>	Ver ramas - </a:t>
-            </a:r>
-            <a:r>
-              <a:rPr lang="es-ES" b="1" dirty="0" err="1" smtClean="0"/>
-              <a:t>git</a:t>
-            </a:r>
-            <a:r>
-              <a:rPr lang="es-ES" b="1" dirty="0" smtClean="0"/>
-              <a:t> </a:t>
-            </a:r>
-            <a:r>
-              <a:rPr lang="es-ES" b="1" dirty="0" err="1" smtClean="0"/>
-              <a:t>branch</a:t>
-            </a:r>
-            <a:endParaRPr lang="es-ES" b="1" dirty="0" smtClean="0"/>
-          </a:p>
-          <a:p>
-            <a:pPr marL="0" indent="0" algn="ctr">
-              <a:buNone/>
-            </a:pPr>
-            <a:endParaRPr lang="es-ES" b="1" dirty="0" smtClean="0"/>
-          </a:p>
-          <a:p>
-            <a:pPr marL="0" indent="0">
-              <a:buNone/>
-            </a:pPr>
+            <a:pPr algn="ctr"/>
             <a:r>
               <a:rPr lang="es-ES" dirty="0"/>
-              <a:t>	</a:t>
-            </a:r>
-            <a:r>
-              <a:rPr lang="es-ES" dirty="0" smtClean="0"/>
-              <a:t>Crear rama - </a:t>
-            </a:r>
-            <a:r>
-              <a:rPr lang="en-GB" b="1" dirty="0" smtClean="0"/>
-              <a:t>git </a:t>
-            </a:r>
-            <a:r>
-              <a:rPr lang="en-GB" b="1" dirty="0"/>
-              <a:t>checkout -b </a:t>
-            </a:r>
-            <a:r>
-              <a:rPr lang="en-GB" b="1" dirty="0" smtClean="0"/>
-              <a:t>&lt;</a:t>
-            </a:r>
-            <a:r>
-              <a:rPr lang="en-GB" b="1" dirty="0" err="1" smtClean="0"/>
-              <a:t>rama</a:t>
-            </a:r>
-            <a:r>
-              <a:rPr lang="en-GB" b="1" dirty="0" smtClean="0"/>
-              <a:t>&gt;</a:t>
-            </a:r>
-          </a:p>
-          <a:p>
-            <a:pPr marL="0" indent="0">
-              <a:buNone/>
-            </a:pPr>
-            <a:endParaRPr lang="es-ES" dirty="0"/>
-          </a:p>
-          <a:p>
-            <a:pPr marL="0" indent="0">
-              <a:buNone/>
-            </a:pPr>
+              <a:t>La </a:t>
+            </a:r>
+            <a:r>
+              <a:rPr lang="es-ES" b="1" dirty="0"/>
+              <a:t>arquitectura cliente-servidor</a:t>
+            </a:r>
             <a:r>
               <a:rPr lang="es-ES" dirty="0"/>
-              <a:t>	</a:t>
-            </a:r>
-            <a:r>
-              <a:rPr lang="es-ES" dirty="0" smtClean="0"/>
-              <a:t>Cambiar de rama - </a:t>
-            </a:r>
-            <a:r>
-              <a:rPr lang="en-GB" b="1" dirty="0" smtClean="0"/>
-              <a:t>git </a:t>
-            </a:r>
-            <a:r>
-              <a:rPr lang="en-GB" b="1" dirty="0"/>
-              <a:t>checkout </a:t>
-            </a:r>
-            <a:r>
-              <a:rPr lang="en-GB" b="1" dirty="0" smtClean="0"/>
-              <a:t>master</a:t>
-            </a:r>
-          </a:p>
-          <a:p>
-            <a:pPr marL="0" indent="0">
-              <a:buNone/>
-            </a:pPr>
-            <a:endParaRPr lang="en-GB" dirty="0" smtClean="0"/>
-          </a:p>
-          <a:p>
-            <a:pPr marL="0" indent="0">
-              <a:buNone/>
-            </a:pPr>
+              <a:t> es un modelo de diseño de software en el que las tareas se reparten entre los proveedores de recursos o servicios, llamados </a:t>
+            </a:r>
+            <a:r>
+              <a:rPr lang="es-ES" dirty="0">
+                <a:hlinkClick r:id="rId3" tooltip="Servidor"/>
+              </a:rPr>
+              <a:t>servidores</a:t>
+            </a:r>
             <a:r>
               <a:rPr lang="es-ES" dirty="0"/>
-              <a:t>	</a:t>
-            </a:r>
-            <a:r>
-              <a:rPr lang="es-ES" dirty="0" smtClean="0"/>
-              <a:t>Borrar rama - </a:t>
-            </a:r>
-            <a:r>
-              <a:rPr lang="en-GB" b="1" dirty="0" smtClean="0"/>
-              <a:t>git </a:t>
-            </a:r>
-            <a:r>
-              <a:rPr lang="en-GB" b="1" dirty="0"/>
-              <a:t>branch -d </a:t>
-            </a:r>
-            <a:r>
-              <a:rPr lang="en-GB" b="1" dirty="0" smtClean="0"/>
-              <a:t>&lt;</a:t>
-            </a:r>
-            <a:r>
-              <a:rPr lang="en-GB" b="1" dirty="0" err="1" smtClean="0"/>
-              <a:t>rama</a:t>
-            </a:r>
-            <a:r>
-              <a:rPr lang="en-GB" b="1" dirty="0" smtClean="0"/>
-              <a:t>&gt;</a:t>
-            </a:r>
-          </a:p>
-          <a:p>
-            <a:pPr marL="0" indent="0">
-              <a:buNone/>
-            </a:pPr>
-            <a:endParaRPr lang="es-ES" b="1" dirty="0"/>
-          </a:p>
-          <a:p>
-            <a:pPr marL="0" indent="0">
-              <a:buNone/>
-            </a:pPr>
-            <a:r>
-              <a:rPr lang="es-ES" dirty="0" smtClean="0"/>
-              <a:t>	Mezclar ramas </a:t>
-            </a:r>
-            <a:r>
-              <a:rPr lang="es-ES" b="1" dirty="0" smtClean="0"/>
-              <a:t>- </a:t>
-            </a:r>
-            <a:r>
-              <a:rPr lang="en-GB" b="1" dirty="0"/>
-              <a:t>git merge </a:t>
-            </a:r>
-            <a:r>
-              <a:rPr lang="en-GB" b="1" dirty="0" smtClean="0"/>
-              <a:t>&lt;</a:t>
-            </a:r>
-            <a:r>
-              <a:rPr lang="en-GB" b="1" dirty="0" err="1" smtClean="0"/>
-              <a:t>rama</a:t>
-            </a:r>
-            <a:r>
-              <a:rPr lang="en-GB" b="1" dirty="0" smtClean="0"/>
-              <a:t>&gt;</a:t>
-            </a:r>
-            <a:endParaRPr lang="es-ES" b="1" dirty="0"/>
-          </a:p>
-          <a:p>
-            <a:pPr marL="0" indent="0">
-              <a:buNone/>
-            </a:pPr>
-            <a:r>
-              <a:rPr lang="es-ES" dirty="0"/>
-              <a:t>	</a:t>
-            </a:r>
-            <a:endParaRPr lang="es-ES" dirty="0" smtClean="0"/>
-          </a:p>
-          <a:p>
-            <a:pPr marL="0" indent="0">
-              <a:buNone/>
-            </a:pPr>
-            <a:r>
-              <a:rPr lang="es-ES" dirty="0"/>
-              <a:t>	</a:t>
-            </a:r>
-            <a:endParaRPr lang="es-ES" dirty="0" smtClean="0"/>
-          </a:p>
-          <a:p>
-            <a:pPr marL="0" indent="0">
-              <a:buNone/>
-            </a:pPr>
-            <a:r>
-              <a:rPr lang="es-ES" dirty="0"/>
-              <a:t>	</a:t>
+              <a:t>, y los demandantes, llamados </a:t>
+            </a:r>
+            <a:r>
+              <a:rPr lang="es-ES" dirty="0">
+                <a:hlinkClick r:id="rId4" tooltip="Cliente (informática)"/>
+              </a:rPr>
+              <a:t>clientes</a:t>
             </a:r>
             <a:endParaRPr lang="en-GB" dirty="0"/>
           </a:p>
@@ -3912,7 +3758,7 @@
     </p:spTree>
     <p:extLst>
       <p:ext uri="{BB962C8B-B14F-4D97-AF65-F5344CB8AC3E}">
-        <p14:creationId xmlns:p14="http://schemas.microsoft.com/office/powerpoint/2010/main" val="3441538986"/>
+        <p14:creationId xmlns:p14="http://schemas.microsoft.com/office/powerpoint/2010/main" val="3204622573"/>
       </p:ext>
     </p:extLst>
   </p:cSld>
@@ -3929,7 +3775,7 @@
 </p:sld>
 </file>
 
-<file path=ppt/slides/slide11.xml><?xml version="1.0" encoding="utf-8"?>
+<file path=ppt/slides/slide3.xml><?xml version="1.0" encoding="utf-8"?>
 <p:sld xmlns:a="http://schemas.openxmlformats.org/drawingml/2006/main" xmlns:r="http://schemas.openxmlformats.org/officeDocument/2006/relationships" xmlns:p="http://schemas.openxmlformats.org/presentationml/2006/main">
   <p:cSld>
     <p:spTree>
@@ -3963,6 +3809,318 @@
           <a:p>
             <a:r>
               <a:rPr lang="es-ES" dirty="0" smtClean="0"/>
+              <a:t>Servidores</a:t>
+            </a:r>
+            <a:endParaRPr lang="en-GB" dirty="0"/>
+          </a:p>
+        </p:txBody>
+      </p:sp>
+      <p:pic>
+        <p:nvPicPr>
+          <p:cNvPr id="4" name="3 Marcador de contenido"/>
+          <p:cNvPicPr>
+            <a:picLocks noGrp="1" noChangeAspect="1"/>
+          </p:cNvPicPr>
+          <p:nvPr>
+            <p:ph idx="1"/>
+          </p:nvPr>
+        </p:nvPicPr>
+        <p:blipFill>
+          <a:blip r:embed="rId2">
+            <a:extLst>
+              <a:ext uri="{28A0092B-C50C-407E-A947-70E740481C1C}">
+                <a14:useLocalDpi xmlns:a14="http://schemas.microsoft.com/office/drawing/2010/main" val="0"/>
+              </a:ext>
+            </a:extLst>
+          </a:blip>
+          <a:stretch>
+            <a:fillRect/>
+          </a:stretch>
+        </p:blipFill>
+        <p:spPr>
+          <a:xfrm>
+            <a:off x="5364088" y="1811871"/>
+            <a:ext cx="2466975" cy="1847850"/>
+          </a:xfrm>
+        </p:spPr>
+      </p:pic>
+      <p:pic>
+        <p:nvPicPr>
+          <p:cNvPr id="5" name="4 Imagen"/>
+          <p:cNvPicPr>
+            <a:picLocks noChangeAspect="1"/>
+          </p:cNvPicPr>
+          <p:nvPr/>
+        </p:nvPicPr>
+        <p:blipFill>
+          <a:blip r:embed="rId3">
+            <a:extLst>
+              <a:ext uri="{28A0092B-C50C-407E-A947-70E740481C1C}">
+                <a14:useLocalDpi xmlns:a14="http://schemas.microsoft.com/office/drawing/2010/main" val="0"/>
+              </a:ext>
+            </a:extLst>
+          </a:blip>
+          <a:stretch>
+            <a:fillRect/>
+          </a:stretch>
+        </p:blipFill>
+        <p:spPr>
+          <a:xfrm>
+            <a:off x="1331640" y="1700808"/>
+            <a:ext cx="3059832" cy="2069976"/>
+          </a:xfrm>
+          <a:prstGeom prst="rect">
+            <a:avLst/>
+          </a:prstGeom>
+        </p:spPr>
+      </p:pic>
+      <p:pic>
+        <p:nvPicPr>
+          <p:cNvPr id="6" name="5 Imagen"/>
+          <p:cNvPicPr>
+            <a:picLocks noChangeAspect="1"/>
+          </p:cNvPicPr>
+          <p:nvPr/>
+        </p:nvPicPr>
+        <p:blipFill>
+          <a:blip r:embed="rId4">
+            <a:extLst>
+              <a:ext uri="{28A0092B-C50C-407E-A947-70E740481C1C}">
+                <a14:useLocalDpi xmlns:a14="http://schemas.microsoft.com/office/drawing/2010/main" val="0"/>
+              </a:ext>
+            </a:extLst>
+          </a:blip>
+          <a:stretch>
+            <a:fillRect/>
+          </a:stretch>
+        </p:blipFill>
+        <p:spPr>
+          <a:xfrm>
+            <a:off x="1547664" y="4321456"/>
+            <a:ext cx="2495550" cy="1838325"/>
+          </a:xfrm>
+          <a:prstGeom prst="rect">
+            <a:avLst/>
+          </a:prstGeom>
+        </p:spPr>
+      </p:pic>
+      <p:pic>
+        <p:nvPicPr>
+          <p:cNvPr id="8" name="7 Imagen"/>
+          <p:cNvPicPr>
+            <a:picLocks noChangeAspect="1"/>
+          </p:cNvPicPr>
+          <p:nvPr/>
+        </p:nvPicPr>
+        <p:blipFill>
+          <a:blip r:embed="rId5" cstate="print">
+            <a:extLst>
+              <a:ext uri="{28A0092B-C50C-407E-A947-70E740481C1C}">
+                <a14:useLocalDpi xmlns:a14="http://schemas.microsoft.com/office/drawing/2010/main" val="0"/>
+              </a:ext>
+            </a:extLst>
+          </a:blip>
+          <a:stretch>
+            <a:fillRect/>
+          </a:stretch>
+        </p:blipFill>
+        <p:spPr>
+          <a:xfrm>
+            <a:off x="5796136" y="4149080"/>
+            <a:ext cx="1486381" cy="1827744"/>
+          </a:xfrm>
+          <a:prstGeom prst="rect">
+            <a:avLst/>
+          </a:prstGeom>
+        </p:spPr>
+      </p:pic>
+    </p:spTree>
+    <p:extLst>
+      <p:ext uri="{BB962C8B-B14F-4D97-AF65-F5344CB8AC3E}">
+        <p14:creationId xmlns:p14="http://schemas.microsoft.com/office/powerpoint/2010/main" val="1814354422"/>
+      </p:ext>
+    </p:extLst>
+  </p:cSld>
+  <p:clrMapOvr>
+    <a:masterClrMapping/>
+  </p:clrMapOvr>
+  <p:timing>
+    <p:tnLst>
+      <p:par>
+        <p:cTn id="1" dur="indefinite" restart="never" nodeType="tmRoot"/>
+      </p:par>
+    </p:tnLst>
+  </p:timing>
+</p:sld>
+</file>
+
+<file path=ppt/slides/slide4.xml><?xml version="1.0" encoding="utf-8"?>
+<p:sld xmlns:a="http://schemas.openxmlformats.org/drawingml/2006/main" xmlns:r="http://schemas.openxmlformats.org/officeDocument/2006/relationships" xmlns:p="http://schemas.openxmlformats.org/presentationml/2006/main">
+  <p:cSld>
+    <p:spTree>
+      <p:nvGrpSpPr>
+        <p:cNvPr id="1" name=""/>
+        <p:cNvGrpSpPr/>
+        <p:nvPr/>
+      </p:nvGrpSpPr>
+      <p:grpSpPr>
+        <a:xfrm>
+          <a:off x="0" y="0"/>
+          <a:ext cx="0" cy="0"/>
+          <a:chOff x="0" y="0"/>
+          <a:chExt cx="0" cy="0"/>
+        </a:xfrm>
+      </p:grpSpPr>
+      <p:sp>
+        <p:nvSpPr>
+          <p:cNvPr id="2" name="1 Título"/>
+          <p:cNvSpPr>
+            <a:spLocks noGrp="1"/>
+          </p:cNvSpPr>
+          <p:nvPr>
+            <p:ph type="title"/>
+          </p:nvPr>
+        </p:nvSpPr>
+        <p:spPr/>
+        <p:txBody>
+          <a:bodyPr/>
+          <a:lstStyle/>
+          <a:p>
+            <a:endParaRPr lang="en-GB" dirty="0"/>
+          </a:p>
+        </p:txBody>
+      </p:sp>
+      <p:sp>
+        <p:nvSpPr>
+          <p:cNvPr id="3" name="2 Marcador de contenido"/>
+          <p:cNvSpPr>
+            <a:spLocks noGrp="1"/>
+          </p:cNvSpPr>
+          <p:nvPr>
+            <p:ph idx="1"/>
+          </p:nvPr>
+        </p:nvSpPr>
+        <p:spPr/>
+        <p:txBody>
+          <a:bodyPr/>
+          <a:lstStyle/>
+          <a:p>
+            <a:r>
+              <a:rPr lang="es-ES" dirty="0"/>
+              <a:t>Capas de </a:t>
+            </a:r>
+            <a:r>
+              <a:rPr lang="es-ES" dirty="0" smtClean="0"/>
+              <a:t>red – comunicaciones(</a:t>
+            </a:r>
+            <a:r>
+              <a:rPr lang="es-ES" dirty="0" err="1" smtClean="0"/>
+              <a:t>ip:port</a:t>
+            </a:r>
+            <a:r>
+              <a:rPr lang="es-ES" dirty="0" smtClean="0"/>
+              <a:t>)</a:t>
+            </a:r>
+          </a:p>
+          <a:p>
+            <a:r>
+              <a:rPr lang="es-ES" dirty="0" smtClean="0"/>
+              <a:t>http</a:t>
+            </a:r>
+          </a:p>
+          <a:p>
+            <a:r>
+              <a:rPr lang="es-ES" dirty="0" smtClean="0"/>
+              <a:t>Internet</a:t>
+            </a:r>
+          </a:p>
+          <a:p>
+            <a:r>
+              <a:rPr lang="es-ES" dirty="0" smtClean="0"/>
+              <a:t>Servers – apátrida – </a:t>
+            </a:r>
+            <a:r>
+              <a:rPr lang="es-ES" dirty="0" err="1" smtClean="0"/>
+              <a:t>stateful</a:t>
+            </a:r>
+            <a:endParaRPr lang="es-ES" dirty="0" smtClean="0"/>
+          </a:p>
+          <a:p>
+            <a:r>
+              <a:rPr lang="es-ES" dirty="0" smtClean="0"/>
+              <a:t>Arquitectura </a:t>
+            </a:r>
+            <a:r>
+              <a:rPr lang="es-ES" dirty="0" err="1" smtClean="0"/>
+              <a:t>multiples</a:t>
+            </a:r>
+            <a:r>
+              <a:rPr lang="es-ES" dirty="0" smtClean="0"/>
+              <a:t> capas </a:t>
+            </a:r>
+          </a:p>
+          <a:p>
+            <a:r>
+              <a:rPr lang="es-ES" dirty="0" smtClean="0"/>
+              <a:t>Ventajas desventajas</a:t>
+            </a:r>
+          </a:p>
+        </p:txBody>
+      </p:sp>
+    </p:spTree>
+    <p:extLst>
+      <p:ext uri="{BB962C8B-B14F-4D97-AF65-F5344CB8AC3E}">
+        <p14:creationId xmlns:p14="http://schemas.microsoft.com/office/powerpoint/2010/main" val="2681340941"/>
+      </p:ext>
+    </p:extLst>
+  </p:cSld>
+  <p:clrMapOvr>
+    <a:masterClrMapping/>
+  </p:clrMapOvr>
+  <p:timing>
+    <p:tnLst>
+      <p:par>
+        <p:cTn id="1" dur="indefinite" restart="never" nodeType="tmRoot"/>
+      </p:par>
+    </p:tnLst>
+  </p:timing>
+</p:sld>
+</file>
+
+<file path=ppt/slides/slide5.xml><?xml version="1.0" encoding="utf-8"?>
+<p:sld xmlns:a="http://schemas.openxmlformats.org/drawingml/2006/main" xmlns:r="http://schemas.openxmlformats.org/officeDocument/2006/relationships" xmlns:p="http://schemas.openxmlformats.org/presentationml/2006/main">
+  <p:cSld>
+    <p:spTree>
+      <p:nvGrpSpPr>
+        <p:cNvPr id="1" name=""/>
+        <p:cNvGrpSpPr/>
+        <p:nvPr/>
+      </p:nvGrpSpPr>
+      <p:grpSpPr>
+        <a:xfrm>
+          <a:off x="0" y="0"/>
+          <a:ext cx="0" cy="0"/>
+          <a:chOff x="0" y="0"/>
+          <a:chExt cx="0" cy="0"/>
+        </a:xfrm>
+      </p:grpSpPr>
+      <p:sp>
+        <p:nvSpPr>
+          <p:cNvPr id="2" name="1 Título"/>
+          <p:cNvSpPr>
+            <a:spLocks noGrp="1"/>
+          </p:cNvSpPr>
+          <p:nvPr>
+            <p:ph type="title"/>
+          </p:nvPr>
+        </p:nvSpPr>
+        <p:spPr/>
+        <p:txBody>
+          <a:bodyPr/>
+          <a:lstStyle/>
+          <a:p>
+            <a:r>
+              <a:rPr lang="es-ES" dirty="0" smtClean="0"/>
               <a:t>Enlaces de interés</a:t>
             </a:r>
             <a:endParaRPr lang="en-GB" dirty="0"/>
@@ -3990,30 +4148,25 @@
           </a:p>
           <a:p>
             <a:r>
-              <a:rPr lang="en-GB" dirty="0" smtClean="0">
-                <a:hlinkClick r:id="rId2"/>
-              </a:rPr>
-              <a:t>https://git-scm.com/docs/git</a:t>
-            </a:r>
-            <a:endParaRPr lang="en-GB" dirty="0" smtClean="0"/>
-          </a:p>
-          <a:p>
-            <a:r>
-              <a:rPr lang="en-GB" dirty="0" smtClean="0">
-                <a:hlinkClick r:id="rId3"/>
-              </a:rPr>
-              <a:t>https://es.wikipedia.org/wiki/Git</a:t>
-            </a:r>
-            <a:endParaRPr lang="en-GB" dirty="0" smtClean="0"/>
-          </a:p>
-          <a:p>
-            <a:r>
-              <a:rPr lang="en-GB" dirty="0" smtClean="0">
-                <a:hlinkClick r:id="rId4"/>
-              </a:rPr>
-              <a:t>https://git-scm.com/book/en/v1/Getting-Started-Git-Basics#_the_three_states</a:t>
-            </a:r>
-            <a:endParaRPr lang="en-GB" dirty="0" smtClean="0"/>
+              <a:rPr lang="es-ES" dirty="0" smtClean="0"/>
+              <a:t>Redes de computadoras- </a:t>
+            </a:r>
+            <a:r>
+              <a:rPr lang="es-ES" dirty="0" err="1" smtClean="0"/>
+              <a:t>Tanenbaum</a:t>
+            </a:r>
+            <a:r>
+              <a:rPr lang="es-ES" dirty="0" smtClean="0"/>
+              <a:t> – 7.3.1- </a:t>
+            </a:r>
+            <a:r>
+              <a:rPr lang="es-ES" dirty="0" err="1" smtClean="0"/>
+              <a:t>pag</a:t>
+            </a:r>
+            <a:r>
+              <a:rPr lang="es-ES" dirty="0" smtClean="0"/>
+              <a:t> 556 a 569.</a:t>
+            </a:r>
           </a:p>
           <a:p>
             <a:endParaRPr lang="en-GB" dirty="0"/>
@@ -4040,7 +4193,7 @@
 </p:sld>
 </file>
 
-<file path=ppt/slides/slide12.xml><?xml version="1.0" encoding="utf-8"?>
+<file path=ppt/slides/slide6.xml><?xml version="1.0" encoding="utf-8"?>
 <p:sld xmlns:a="http://schemas.openxmlformats.org/drawingml/2006/main" xmlns:r="http://schemas.openxmlformats.org/officeDocument/2006/relationships" xmlns:p="http://schemas.openxmlformats.org/presentationml/2006/main">
   <p:cSld>
     <p:spTree>
@@ -4091,1099 +4244,6 @@
     <p:extLst>
       <p:ext uri="{BB962C8B-B14F-4D97-AF65-F5344CB8AC3E}">
         <p14:creationId xmlns:p14="http://schemas.microsoft.com/office/powerpoint/2010/main" val="880585673"/>
-      </p:ext>
-    </p:extLst>
-  </p:cSld>
-  <p:clrMapOvr>
-    <a:masterClrMapping/>
-  </p:clrMapOvr>
-  <p:timing>
-    <p:tnLst>
-      <p:par>
-        <p:cTn id="1" dur="indefinite" restart="never" nodeType="tmRoot"/>
-      </p:par>
-    </p:tnLst>
-  </p:timing>
-</p:sld>
-</file>
-
-<file path=ppt/slides/slide2.xml><?xml version="1.0" encoding="utf-8"?>
-<p:sld xmlns:a="http://schemas.openxmlformats.org/drawingml/2006/main" xmlns:r="http://schemas.openxmlformats.org/officeDocument/2006/relationships" xmlns:p="http://schemas.openxmlformats.org/presentationml/2006/main">
-  <p:cSld>
-    <p:spTree>
-      <p:nvGrpSpPr>
-        <p:cNvPr id="1" name=""/>
-        <p:cNvGrpSpPr/>
-        <p:nvPr/>
-      </p:nvGrpSpPr>
-      <p:grpSpPr>
-        <a:xfrm>
-          <a:off x="0" y="0"/>
-          <a:ext cx="0" cy="0"/>
-          <a:chOff x="0" y="0"/>
-          <a:chExt cx="0" cy="0"/>
-        </a:xfrm>
-      </p:grpSpPr>
-      <p:sp>
-        <p:nvSpPr>
-          <p:cNvPr id="2" name="1 Título"/>
-          <p:cNvSpPr>
-            <a:spLocks noGrp="1"/>
-          </p:cNvSpPr>
-          <p:nvPr>
-            <p:ph type="title"/>
-          </p:nvPr>
-        </p:nvSpPr>
-        <p:spPr/>
-        <p:txBody>
-          <a:bodyPr/>
-          <a:lstStyle/>
-          <a:p>
-            <a:r>
-              <a:rPr lang="es-ES" dirty="0" smtClean="0"/>
-              <a:t>Arquitectura Cliente Servidor </a:t>
-            </a:r>
-            <a:endParaRPr lang="en-GB" dirty="0"/>
-          </a:p>
-        </p:txBody>
-      </p:sp>
-      <p:pic>
-        <p:nvPicPr>
-          <p:cNvPr id="4" name="3 Marcador de contenido"/>
-          <p:cNvPicPr>
-            <a:picLocks noGrp="1" noChangeAspect="1"/>
-          </p:cNvPicPr>
-          <p:nvPr>
-            <p:ph idx="1"/>
-          </p:nvPr>
-        </p:nvPicPr>
-        <p:blipFill>
-          <a:blip r:embed="rId2">
-            <a:extLst>
-              <a:ext uri="{28A0092B-C50C-407E-A947-70E740481C1C}">
-                <a14:useLocalDpi xmlns:a14="http://schemas.microsoft.com/office/drawing/2010/main" val="0"/>
-              </a:ext>
-            </a:extLst>
-          </a:blip>
-          <a:stretch>
-            <a:fillRect/>
-          </a:stretch>
-        </p:blipFill>
-        <p:spPr>
-          <a:xfrm>
-            <a:off x="2051720" y="3140968"/>
-            <a:ext cx="5308131" cy="2607928"/>
-          </a:xfrm>
-        </p:spPr>
-      </p:pic>
-      <p:sp>
-        <p:nvSpPr>
-          <p:cNvPr id="5" name="4 CuadroTexto"/>
-          <p:cNvSpPr txBox="1"/>
-          <p:nvPr/>
-        </p:nvSpPr>
-        <p:spPr>
-          <a:xfrm>
-            <a:off x="1907704" y="1628800"/>
-            <a:ext cx="5688632" cy="1200329"/>
-          </a:xfrm>
-          <a:prstGeom prst="rect">
-            <a:avLst/>
-          </a:prstGeom>
-          <a:noFill/>
-        </p:spPr>
-        <p:txBody>
-          <a:bodyPr wrap="square" rtlCol="0">
-            <a:spAutoFit/>
-          </a:bodyPr>
-          <a:lstStyle/>
-          <a:p>
-            <a:pPr algn="ctr"/>
-            <a:r>
-              <a:rPr lang="es-ES" dirty="0"/>
-              <a:t>La </a:t>
-            </a:r>
-            <a:r>
-              <a:rPr lang="es-ES" b="1" dirty="0"/>
-              <a:t>arquitectura cliente-servidor</a:t>
-            </a:r>
-            <a:r>
-              <a:rPr lang="es-ES" dirty="0"/>
-              <a:t> es un modelo de diseño de software en el que las tareas se reparten entre los proveedores de recursos o servicios, llamados </a:t>
-            </a:r>
-            <a:r>
-              <a:rPr lang="es-ES" dirty="0">
-                <a:hlinkClick r:id="rId3" tooltip="Servidor"/>
-              </a:rPr>
-              <a:t>servidores</a:t>
-            </a:r>
-            <a:r>
-              <a:rPr lang="es-ES" dirty="0"/>
-              <a:t>, y los demandantes, llamados </a:t>
-            </a:r>
-            <a:r>
-              <a:rPr lang="es-ES" dirty="0">
-                <a:hlinkClick r:id="rId4" tooltip="Cliente (informática)"/>
-              </a:rPr>
-              <a:t>clientes</a:t>
-            </a:r>
-            <a:endParaRPr lang="en-GB" dirty="0"/>
-          </a:p>
-        </p:txBody>
-      </p:sp>
-    </p:spTree>
-    <p:extLst>
-      <p:ext uri="{BB962C8B-B14F-4D97-AF65-F5344CB8AC3E}">
-        <p14:creationId xmlns:p14="http://schemas.microsoft.com/office/powerpoint/2010/main" val="3204622573"/>
-      </p:ext>
-    </p:extLst>
-  </p:cSld>
-  <p:clrMapOvr>
-    <a:masterClrMapping/>
-  </p:clrMapOvr>
-  <p:timing>
-    <p:tnLst>
-      <p:par>
-        <p:cTn id="1" dur="indefinite" restart="never" nodeType="tmRoot"/>
-      </p:par>
-    </p:tnLst>
-  </p:timing>
-</p:sld>
-</file>
-
-<file path=ppt/slides/slide3.xml><?xml version="1.0" encoding="utf-8"?>
-<p:sld xmlns:a="http://schemas.openxmlformats.org/drawingml/2006/main" xmlns:r="http://schemas.openxmlformats.org/officeDocument/2006/relationships" xmlns:p="http://schemas.openxmlformats.org/presentationml/2006/main">
-  <p:cSld>
-    <p:spTree>
-      <p:nvGrpSpPr>
-        <p:cNvPr id="1" name=""/>
-        <p:cNvGrpSpPr/>
-        <p:nvPr/>
-      </p:nvGrpSpPr>
-      <p:grpSpPr>
-        <a:xfrm>
-          <a:off x="0" y="0"/>
-          <a:ext cx="0" cy="0"/>
-          <a:chOff x="0" y="0"/>
-          <a:chExt cx="0" cy="0"/>
-        </a:xfrm>
-      </p:grpSpPr>
-      <p:sp>
-        <p:nvSpPr>
-          <p:cNvPr id="2" name="1 Título"/>
-          <p:cNvSpPr>
-            <a:spLocks noGrp="1"/>
-          </p:cNvSpPr>
-          <p:nvPr>
-            <p:ph type="title"/>
-          </p:nvPr>
-        </p:nvSpPr>
-        <p:spPr/>
-        <p:txBody>
-          <a:bodyPr/>
-          <a:lstStyle/>
-          <a:p>
-            <a:r>
-              <a:rPr lang="es-ES" dirty="0" smtClean="0"/>
-              <a:t>Servidores</a:t>
-            </a:r>
-            <a:endParaRPr lang="en-GB" dirty="0"/>
-          </a:p>
-        </p:txBody>
-      </p:sp>
-      <p:sp>
-        <p:nvSpPr>
-          <p:cNvPr id="3" name="2 Marcador de contenido"/>
-          <p:cNvSpPr>
-            <a:spLocks noGrp="1"/>
-          </p:cNvSpPr>
-          <p:nvPr>
-            <p:ph idx="1"/>
-          </p:nvPr>
-        </p:nvSpPr>
-        <p:spPr>
-          <a:xfrm>
-            <a:off x="457200" y="1600200"/>
-            <a:ext cx="8229600" cy="2908920"/>
-          </a:xfrm>
-        </p:spPr>
-        <p:txBody>
-          <a:bodyPr>
-            <a:normAutofit/>
-          </a:bodyPr>
-          <a:lstStyle/>
-          <a:p>
-            <a:pPr marL="0" indent="0">
-              <a:buNone/>
-            </a:pPr>
-            <a:endParaRPr lang="en-GB" dirty="0" smtClean="0"/>
-          </a:p>
-        </p:txBody>
-      </p:sp>
-    </p:spTree>
-    <p:extLst>
-      <p:ext uri="{BB962C8B-B14F-4D97-AF65-F5344CB8AC3E}">
-        <p14:creationId xmlns:p14="http://schemas.microsoft.com/office/powerpoint/2010/main" val="1814354422"/>
-      </p:ext>
-    </p:extLst>
-  </p:cSld>
-  <p:clrMapOvr>
-    <a:masterClrMapping/>
-  </p:clrMapOvr>
-  <p:timing>
-    <p:tnLst>
-      <p:par>
-        <p:cTn id="1" dur="indefinite" restart="never" nodeType="tmRoot"/>
-      </p:par>
-    </p:tnLst>
-  </p:timing>
-</p:sld>
-</file>
-
-<file path=ppt/slides/slide4.xml><?xml version="1.0" encoding="utf-8"?>
-<p:sld xmlns:a="http://schemas.openxmlformats.org/drawingml/2006/main" xmlns:r="http://schemas.openxmlformats.org/officeDocument/2006/relationships" xmlns:p="http://schemas.openxmlformats.org/presentationml/2006/main">
-  <p:cSld>
-    <p:spTree>
-      <p:nvGrpSpPr>
-        <p:cNvPr id="1" name=""/>
-        <p:cNvGrpSpPr/>
-        <p:nvPr/>
-      </p:nvGrpSpPr>
-      <p:grpSpPr>
-        <a:xfrm>
-          <a:off x="0" y="0"/>
-          <a:ext cx="0" cy="0"/>
-          <a:chOff x="0" y="0"/>
-          <a:chExt cx="0" cy="0"/>
-        </a:xfrm>
-      </p:grpSpPr>
-      <p:sp>
-        <p:nvSpPr>
-          <p:cNvPr id="2" name="1 Título"/>
-          <p:cNvSpPr>
-            <a:spLocks noGrp="1"/>
-          </p:cNvSpPr>
-          <p:nvPr>
-            <p:ph type="title"/>
-          </p:nvPr>
-        </p:nvSpPr>
-        <p:spPr/>
-        <p:txBody>
-          <a:bodyPr/>
-          <a:lstStyle/>
-          <a:p>
-            <a:r>
-              <a:rPr lang="es-ES" dirty="0" smtClean="0"/>
-              <a:t>Uso básico - </a:t>
-            </a:r>
-            <a:r>
-              <a:rPr lang="es-ES" dirty="0" err="1" smtClean="0"/>
-              <a:t>init</a:t>
-            </a:r>
-            <a:endParaRPr lang="en-GB" dirty="0"/>
-          </a:p>
-        </p:txBody>
-      </p:sp>
-      <p:sp>
-        <p:nvSpPr>
-          <p:cNvPr id="3" name="2 Marcador de contenido"/>
-          <p:cNvSpPr>
-            <a:spLocks noGrp="1"/>
-          </p:cNvSpPr>
-          <p:nvPr>
-            <p:ph idx="1"/>
-          </p:nvPr>
-        </p:nvSpPr>
-        <p:spPr/>
-        <p:txBody>
-          <a:bodyPr/>
-          <a:lstStyle/>
-          <a:p>
-            <a:pPr marL="0" indent="0" algn="ctr">
-              <a:buNone/>
-            </a:pPr>
-            <a:r>
-              <a:rPr lang="es-ES" dirty="0" smtClean="0"/>
-              <a:t>Inicializando repositorio</a:t>
-            </a:r>
-          </a:p>
-          <a:p>
-            <a:pPr marL="0" indent="0" algn="ctr">
-              <a:buNone/>
-            </a:pPr>
-            <a:endParaRPr lang="es-ES" dirty="0" smtClean="0"/>
-          </a:p>
-          <a:p>
-            <a:pPr marL="0" indent="0" algn="ctr">
-              <a:buNone/>
-            </a:pPr>
-            <a:r>
-              <a:rPr lang="en-GB" b="1" dirty="0" smtClean="0"/>
-              <a:t>git </a:t>
-            </a:r>
-            <a:r>
-              <a:rPr lang="en-GB" b="1" dirty="0" err="1" smtClean="0"/>
-              <a:t>init</a:t>
-            </a:r>
-            <a:r>
-              <a:rPr lang="en-GB" b="1" dirty="0" smtClean="0"/>
-              <a:t> </a:t>
-            </a:r>
-          </a:p>
-          <a:p>
-            <a:pPr marL="0" indent="0" algn="ctr">
-              <a:buNone/>
-            </a:pPr>
-            <a:r>
-              <a:rPr lang="en-GB" b="1" dirty="0" smtClean="0"/>
-              <a:t>git remote add origin </a:t>
-            </a:r>
-            <a:r>
-              <a:rPr lang="en-GB" dirty="0" smtClean="0"/>
-              <a:t>&lt;repo&gt;</a:t>
-            </a:r>
-            <a:endParaRPr lang="es-ES" dirty="0" smtClean="0"/>
-          </a:p>
-          <a:p>
-            <a:pPr marL="0" indent="0" algn="ctr">
-              <a:buNone/>
-            </a:pPr>
-            <a:r>
-              <a:rPr lang="en-GB" b="1" dirty="0" smtClean="0"/>
-              <a:t>git remote -v</a:t>
-            </a:r>
-            <a:endParaRPr lang="es-ES" b="1" dirty="0" smtClean="0"/>
-          </a:p>
-          <a:p>
-            <a:endParaRPr lang="en-GB" dirty="0"/>
-          </a:p>
-        </p:txBody>
-      </p:sp>
-    </p:spTree>
-    <p:extLst>
-      <p:ext uri="{BB962C8B-B14F-4D97-AF65-F5344CB8AC3E}">
-        <p14:creationId xmlns:p14="http://schemas.microsoft.com/office/powerpoint/2010/main" val="3110308632"/>
-      </p:ext>
-    </p:extLst>
-  </p:cSld>
-  <p:clrMapOvr>
-    <a:masterClrMapping/>
-  </p:clrMapOvr>
-  <p:timing>
-    <p:tnLst>
-      <p:par>
-        <p:cTn id="1" dur="indefinite" restart="never" nodeType="tmRoot"/>
-      </p:par>
-    </p:tnLst>
-  </p:timing>
-</p:sld>
-</file>
-
-<file path=ppt/slides/slide5.xml><?xml version="1.0" encoding="utf-8"?>
-<p:sld xmlns:a="http://schemas.openxmlformats.org/drawingml/2006/main" xmlns:r="http://schemas.openxmlformats.org/officeDocument/2006/relationships" xmlns:p="http://schemas.openxmlformats.org/presentationml/2006/main">
-  <p:cSld>
-    <p:spTree>
-      <p:nvGrpSpPr>
-        <p:cNvPr id="1" name=""/>
-        <p:cNvGrpSpPr/>
-        <p:nvPr/>
-      </p:nvGrpSpPr>
-      <p:grpSpPr>
-        <a:xfrm>
-          <a:off x="0" y="0"/>
-          <a:ext cx="0" cy="0"/>
-          <a:chOff x="0" y="0"/>
-          <a:chExt cx="0" cy="0"/>
-        </a:xfrm>
-      </p:grpSpPr>
-      <p:sp>
-        <p:nvSpPr>
-          <p:cNvPr id="2" name="1 Título"/>
-          <p:cNvSpPr>
-            <a:spLocks noGrp="1"/>
-          </p:cNvSpPr>
-          <p:nvPr>
-            <p:ph type="title"/>
-          </p:nvPr>
-        </p:nvSpPr>
-        <p:spPr/>
-        <p:txBody>
-          <a:bodyPr/>
-          <a:lstStyle/>
-          <a:p>
-            <a:r>
-              <a:rPr lang="es-ES" dirty="0" smtClean="0"/>
-              <a:t>Uso básico - clone</a:t>
-            </a:r>
-            <a:endParaRPr lang="en-GB" dirty="0"/>
-          </a:p>
-        </p:txBody>
-      </p:sp>
-      <p:sp>
-        <p:nvSpPr>
-          <p:cNvPr id="3" name="2 Marcador de contenido"/>
-          <p:cNvSpPr>
-            <a:spLocks noGrp="1"/>
-          </p:cNvSpPr>
-          <p:nvPr>
-            <p:ph idx="1"/>
-          </p:nvPr>
-        </p:nvSpPr>
-        <p:spPr/>
-        <p:txBody>
-          <a:bodyPr/>
-          <a:lstStyle/>
-          <a:p>
-            <a:pPr marL="0" indent="0">
-              <a:buNone/>
-            </a:pPr>
-            <a:r>
-              <a:rPr lang="es-ES" dirty="0" smtClean="0"/>
-              <a:t>Crear una copia de un repositorio de trabajo</a:t>
-            </a:r>
-          </a:p>
-          <a:p>
-            <a:pPr marL="0" indent="0">
-              <a:buNone/>
-            </a:pPr>
-            <a:endParaRPr lang="es-ES" dirty="0" smtClean="0"/>
-          </a:p>
-          <a:p>
-            <a:pPr marL="0" indent="0" algn="ctr">
-              <a:buNone/>
-            </a:pPr>
-            <a:r>
-              <a:rPr lang="es-ES" b="1" dirty="0" err="1" smtClean="0"/>
-              <a:t>git</a:t>
-            </a:r>
-            <a:r>
-              <a:rPr lang="es-ES" b="1" dirty="0" smtClean="0"/>
-              <a:t> clone </a:t>
-            </a:r>
-            <a:r>
-              <a:rPr lang="en-GB" dirty="0" smtClean="0"/>
-              <a:t>&lt;path/to/repo&gt;</a:t>
-            </a:r>
-            <a:endParaRPr lang="es-ES" dirty="0" smtClean="0"/>
-          </a:p>
-          <a:p>
-            <a:pPr marL="0" indent="0" algn="ctr">
-              <a:buNone/>
-            </a:pPr>
-            <a:endParaRPr lang="es-ES" dirty="0" smtClean="0"/>
-          </a:p>
-          <a:p>
-            <a:pPr marL="0" indent="0" algn="ctr">
-              <a:buNone/>
-            </a:pPr>
-            <a:r>
-              <a:rPr lang="es-ES" b="1" dirty="0" err="1" smtClean="0"/>
-              <a:t>git</a:t>
-            </a:r>
-            <a:r>
-              <a:rPr lang="es-ES" b="1" dirty="0" smtClean="0"/>
-              <a:t> clone https://github.com/ceta-project/materiales.git</a:t>
-            </a:r>
-          </a:p>
-          <a:p>
-            <a:pPr marL="0" indent="0">
-              <a:buNone/>
-            </a:pPr>
-            <a:endParaRPr lang="en-GB" dirty="0"/>
-          </a:p>
-        </p:txBody>
-      </p:sp>
-    </p:spTree>
-    <p:extLst>
-      <p:ext uri="{BB962C8B-B14F-4D97-AF65-F5344CB8AC3E}">
-        <p14:creationId xmlns:p14="http://schemas.microsoft.com/office/powerpoint/2010/main" val="666249387"/>
-      </p:ext>
-    </p:extLst>
-  </p:cSld>
-  <p:clrMapOvr>
-    <a:masterClrMapping/>
-  </p:clrMapOvr>
-  <p:timing>
-    <p:tnLst>
-      <p:par>
-        <p:cTn id="1" dur="indefinite" restart="never" nodeType="tmRoot"/>
-      </p:par>
-    </p:tnLst>
-  </p:timing>
-</p:sld>
-</file>
-
-<file path=ppt/slides/slide6.xml><?xml version="1.0" encoding="utf-8"?>
-<p:sld xmlns:a="http://schemas.openxmlformats.org/drawingml/2006/main" xmlns:r="http://schemas.openxmlformats.org/officeDocument/2006/relationships" xmlns:p="http://schemas.openxmlformats.org/presentationml/2006/main">
-  <p:cSld>
-    <p:spTree>
-      <p:nvGrpSpPr>
-        <p:cNvPr id="1" name=""/>
-        <p:cNvGrpSpPr/>
-        <p:nvPr/>
-      </p:nvGrpSpPr>
-      <p:grpSpPr>
-        <a:xfrm>
-          <a:off x="0" y="0"/>
-          <a:ext cx="0" cy="0"/>
-          <a:chOff x="0" y="0"/>
-          <a:chExt cx="0" cy="0"/>
-        </a:xfrm>
-      </p:grpSpPr>
-      <p:sp>
-        <p:nvSpPr>
-          <p:cNvPr id="2" name="1 Título"/>
-          <p:cNvSpPr>
-            <a:spLocks noGrp="1"/>
-          </p:cNvSpPr>
-          <p:nvPr>
-            <p:ph type="title"/>
-          </p:nvPr>
-        </p:nvSpPr>
-        <p:spPr/>
-        <p:txBody>
-          <a:bodyPr/>
-          <a:lstStyle/>
-          <a:p>
-            <a:r>
-              <a:rPr lang="es-ES" dirty="0" smtClean="0"/>
-              <a:t>Uso básico - </a:t>
-            </a:r>
-            <a:r>
-              <a:rPr lang="es-ES" dirty="0" err="1" smtClean="0"/>
-              <a:t>add</a:t>
-            </a:r>
-            <a:endParaRPr lang="en-GB" dirty="0"/>
-          </a:p>
-        </p:txBody>
-      </p:sp>
-      <p:sp>
-        <p:nvSpPr>
-          <p:cNvPr id="3" name="2 Marcador de contenido"/>
-          <p:cNvSpPr>
-            <a:spLocks noGrp="1"/>
-          </p:cNvSpPr>
-          <p:nvPr>
-            <p:ph idx="1"/>
-          </p:nvPr>
-        </p:nvSpPr>
-        <p:spPr/>
-        <p:txBody>
-          <a:bodyPr/>
-          <a:lstStyle/>
-          <a:p>
-            <a:pPr marL="0" indent="0" algn="ctr">
-              <a:buNone/>
-            </a:pPr>
-            <a:r>
-              <a:rPr lang="es-ES" dirty="0" smtClean="0"/>
-              <a:t>Agregar cambios al índice</a:t>
-            </a:r>
-          </a:p>
-          <a:p>
-            <a:pPr marL="0" indent="0" algn="ctr">
-              <a:buNone/>
-            </a:pPr>
-            <a:r>
-              <a:rPr lang="es-ES" dirty="0" smtClean="0"/>
-              <a:t>(</a:t>
-            </a:r>
-            <a:r>
-              <a:rPr lang="es-ES" dirty="0" err="1" smtClean="0"/>
-              <a:t>checksum,timestamp</a:t>
-            </a:r>
-            <a:r>
-              <a:rPr lang="es-ES" dirty="0" smtClean="0"/>
-              <a:t>)</a:t>
-            </a:r>
-            <a:endParaRPr lang="en-GB" dirty="0" smtClean="0"/>
-          </a:p>
-          <a:p>
-            <a:pPr marL="0" indent="0" algn="ctr">
-              <a:buNone/>
-            </a:pPr>
-            <a:endParaRPr lang="en-GB" b="1" dirty="0"/>
-          </a:p>
-          <a:p>
-            <a:pPr marL="0" indent="0" algn="ctr">
-              <a:buNone/>
-            </a:pPr>
-            <a:r>
-              <a:rPr lang="en-GB" b="1" dirty="0" smtClean="0"/>
-              <a:t>git add filename</a:t>
-            </a:r>
-          </a:p>
-          <a:p>
-            <a:pPr marL="0" indent="0" algn="ctr">
-              <a:buNone/>
-            </a:pPr>
-            <a:endParaRPr lang="es-ES" dirty="0"/>
-          </a:p>
-          <a:p>
-            <a:pPr marL="0" indent="0" algn="ctr">
-              <a:buNone/>
-            </a:pPr>
-            <a:r>
-              <a:rPr lang="en-GB" b="1" dirty="0" smtClean="0">
-                <a:effectLst/>
-              </a:rPr>
-              <a:t>git add README.md</a:t>
-            </a:r>
-            <a:endParaRPr lang="en-GB" b="1" dirty="0"/>
-          </a:p>
-        </p:txBody>
-      </p:sp>
-    </p:spTree>
-    <p:extLst>
-      <p:ext uri="{BB962C8B-B14F-4D97-AF65-F5344CB8AC3E}">
-        <p14:creationId xmlns:p14="http://schemas.microsoft.com/office/powerpoint/2010/main" val="1543835539"/>
-      </p:ext>
-    </p:extLst>
-  </p:cSld>
-  <p:clrMapOvr>
-    <a:masterClrMapping/>
-  </p:clrMapOvr>
-  <p:timing>
-    <p:tnLst>
-      <p:par>
-        <p:cTn id="1" dur="indefinite" restart="never" nodeType="tmRoot"/>
-      </p:par>
-    </p:tnLst>
-  </p:timing>
-</p:sld>
-</file>
-
-<file path=ppt/slides/slide7.xml><?xml version="1.0" encoding="utf-8"?>
-<p:sld xmlns:a="http://schemas.openxmlformats.org/drawingml/2006/main" xmlns:r="http://schemas.openxmlformats.org/officeDocument/2006/relationships" xmlns:p="http://schemas.openxmlformats.org/presentationml/2006/main">
-  <p:cSld>
-    <p:spTree>
-      <p:nvGrpSpPr>
-        <p:cNvPr id="1" name=""/>
-        <p:cNvGrpSpPr/>
-        <p:nvPr/>
-      </p:nvGrpSpPr>
-      <p:grpSpPr>
-        <a:xfrm>
-          <a:off x="0" y="0"/>
-          <a:ext cx="0" cy="0"/>
-          <a:chOff x="0" y="0"/>
-          <a:chExt cx="0" cy="0"/>
-        </a:xfrm>
-      </p:grpSpPr>
-      <p:sp>
-        <p:nvSpPr>
-          <p:cNvPr id="2" name="1 Título"/>
-          <p:cNvSpPr>
-            <a:spLocks noGrp="1"/>
-          </p:cNvSpPr>
-          <p:nvPr>
-            <p:ph type="title"/>
-          </p:nvPr>
-        </p:nvSpPr>
-        <p:spPr/>
-        <p:txBody>
-          <a:bodyPr/>
-          <a:lstStyle/>
-          <a:p>
-            <a:r>
-              <a:rPr lang="es-ES" dirty="0" smtClean="0"/>
-              <a:t>Uso básico - </a:t>
-            </a:r>
-            <a:r>
-              <a:rPr lang="es-ES" dirty="0" err="1" smtClean="0"/>
-              <a:t>commit</a:t>
-            </a:r>
-            <a:endParaRPr lang="en-GB" dirty="0"/>
-          </a:p>
-        </p:txBody>
-      </p:sp>
-      <p:sp>
-        <p:nvSpPr>
-          <p:cNvPr id="3" name="2 Marcador de contenido"/>
-          <p:cNvSpPr>
-            <a:spLocks noGrp="1"/>
-          </p:cNvSpPr>
-          <p:nvPr>
-            <p:ph idx="1"/>
-          </p:nvPr>
-        </p:nvSpPr>
-        <p:spPr/>
-        <p:txBody>
-          <a:bodyPr/>
-          <a:lstStyle/>
-          <a:p>
-            <a:pPr marL="0" indent="0" algn="ctr">
-              <a:buNone/>
-            </a:pPr>
-            <a:endParaRPr lang="en-GB" b="1" dirty="0" smtClean="0">
-              <a:effectLst/>
-            </a:endParaRPr>
-          </a:p>
-          <a:p>
-            <a:pPr marL="0" indent="0" algn="ctr">
-              <a:buNone/>
-            </a:pPr>
-            <a:r>
-              <a:rPr lang="en-GB" b="1" dirty="0" smtClean="0">
-                <a:effectLst/>
-              </a:rPr>
-              <a:t>git commit –m  </a:t>
-            </a:r>
-            <a:r>
-              <a:rPr lang="en-GB" dirty="0" smtClean="0"/>
-              <a:t>&lt;</a:t>
-            </a:r>
-            <a:r>
-              <a:rPr lang="en-GB" dirty="0" err="1" smtClean="0"/>
-              <a:t>mensaje</a:t>
-            </a:r>
-            <a:r>
-              <a:rPr lang="en-GB" dirty="0" smtClean="0"/>
-              <a:t>&gt;</a:t>
-            </a:r>
-            <a:endParaRPr lang="es-ES" dirty="0" smtClean="0"/>
-          </a:p>
-          <a:p>
-            <a:pPr marL="0" indent="0" algn="ctr">
-              <a:buNone/>
-            </a:pPr>
-            <a:endParaRPr lang="es-ES" b="1" dirty="0"/>
-          </a:p>
-          <a:p>
-            <a:pPr marL="0" indent="0" algn="ctr">
-              <a:buNone/>
-            </a:pPr>
-            <a:r>
-              <a:rPr lang="en-GB" b="1" dirty="0" smtClean="0">
-                <a:effectLst/>
-              </a:rPr>
-              <a:t>git commit -m “add readme to repo </a:t>
-            </a:r>
-            <a:r>
-              <a:rPr lang="en-GB" b="1" dirty="0" smtClean="0">
-                <a:sym typeface="Wingdings" pitchFamily="2" charset="2"/>
-              </a:rPr>
-              <a:t>:)</a:t>
-            </a:r>
-            <a:r>
-              <a:rPr lang="en-GB" b="1" dirty="0" smtClean="0">
-                <a:effectLst/>
-              </a:rPr>
-              <a:t>"</a:t>
-            </a:r>
-            <a:endParaRPr lang="en-GB" b="1" dirty="0" smtClean="0"/>
-          </a:p>
-          <a:p>
-            <a:pPr marL="0" indent="0">
-              <a:buNone/>
-            </a:pPr>
-            <a:endParaRPr lang="en-GB" dirty="0"/>
-          </a:p>
-        </p:txBody>
-      </p:sp>
-    </p:spTree>
-    <p:extLst>
-      <p:ext uri="{BB962C8B-B14F-4D97-AF65-F5344CB8AC3E}">
-        <p14:creationId xmlns:p14="http://schemas.microsoft.com/office/powerpoint/2010/main" val="2182621402"/>
-      </p:ext>
-    </p:extLst>
-  </p:cSld>
-  <p:clrMapOvr>
-    <a:masterClrMapping/>
-  </p:clrMapOvr>
-  <p:timing>
-    <p:tnLst>
-      <p:par>
-        <p:cTn id="1" dur="indefinite" restart="never" nodeType="tmRoot"/>
-      </p:par>
-    </p:tnLst>
-  </p:timing>
-</p:sld>
-</file>
-
-<file path=ppt/slides/slide8.xml><?xml version="1.0" encoding="utf-8"?>
-<p:sld xmlns:a="http://schemas.openxmlformats.org/drawingml/2006/main" xmlns:r="http://schemas.openxmlformats.org/officeDocument/2006/relationships" xmlns:p="http://schemas.openxmlformats.org/presentationml/2006/main">
-  <p:cSld>
-    <p:spTree>
-      <p:nvGrpSpPr>
-        <p:cNvPr id="1" name=""/>
-        <p:cNvGrpSpPr/>
-        <p:nvPr/>
-      </p:nvGrpSpPr>
-      <p:grpSpPr>
-        <a:xfrm>
-          <a:off x="0" y="0"/>
-          <a:ext cx="0" cy="0"/>
-          <a:chOff x="0" y="0"/>
-          <a:chExt cx="0" cy="0"/>
-        </a:xfrm>
-      </p:grpSpPr>
-      <p:sp>
-        <p:nvSpPr>
-          <p:cNvPr id="2" name="1 Título"/>
-          <p:cNvSpPr>
-            <a:spLocks noGrp="1"/>
-          </p:cNvSpPr>
-          <p:nvPr>
-            <p:ph type="title"/>
-          </p:nvPr>
-        </p:nvSpPr>
-        <p:spPr/>
-        <p:txBody>
-          <a:bodyPr/>
-          <a:lstStyle/>
-          <a:p>
-            <a:r>
-              <a:rPr lang="es-ES" dirty="0" smtClean="0"/>
-              <a:t>Uso básico - </a:t>
-            </a:r>
-            <a:r>
-              <a:rPr lang="es-ES" dirty="0" err="1" smtClean="0"/>
-              <a:t>push</a:t>
-            </a:r>
-            <a:endParaRPr lang="en-GB" dirty="0"/>
-          </a:p>
-        </p:txBody>
-      </p:sp>
-      <p:sp>
-        <p:nvSpPr>
-          <p:cNvPr id="3" name="2 Marcador de contenido"/>
-          <p:cNvSpPr>
-            <a:spLocks noGrp="1"/>
-          </p:cNvSpPr>
-          <p:nvPr>
-            <p:ph idx="1"/>
-          </p:nvPr>
-        </p:nvSpPr>
-        <p:spPr/>
-        <p:txBody>
-          <a:bodyPr/>
-          <a:lstStyle/>
-          <a:p>
-            <a:pPr marL="0" indent="0" algn="ctr">
-              <a:buNone/>
-            </a:pPr>
-            <a:r>
-              <a:rPr lang="es-ES" dirty="0" smtClean="0">
-                <a:effectLst/>
-              </a:rPr>
-              <a:t>Enviando cambios al repositorio remoto</a:t>
-            </a:r>
-          </a:p>
-          <a:p>
-            <a:pPr marL="0" indent="0" algn="ctr">
-              <a:buNone/>
-            </a:pPr>
-            <a:endParaRPr lang="en-GB" b="1" dirty="0" smtClean="0">
-              <a:effectLst/>
-            </a:endParaRPr>
-          </a:p>
-          <a:p>
-            <a:pPr marL="0" indent="0" algn="ctr">
-              <a:buNone/>
-            </a:pPr>
-            <a:r>
-              <a:rPr lang="en-GB" b="1" dirty="0" smtClean="0">
-                <a:effectLst/>
-              </a:rPr>
-              <a:t>git push  origin </a:t>
-            </a:r>
-            <a:r>
-              <a:rPr lang="en-GB" dirty="0"/>
-              <a:t>&lt;branch&gt;</a:t>
-            </a:r>
-            <a:endParaRPr lang="es-ES" dirty="0" smtClean="0"/>
-          </a:p>
-          <a:p>
-            <a:pPr marL="0" indent="0">
-              <a:buNone/>
-            </a:pPr>
-            <a:r>
-              <a:rPr lang="es-ES" dirty="0" smtClean="0"/>
-              <a:t>	</a:t>
-            </a:r>
-          </a:p>
-          <a:p>
-            <a:pPr marL="0" indent="0">
-              <a:buNone/>
-            </a:pPr>
-            <a:r>
-              <a:rPr lang="es-ES" dirty="0"/>
-              <a:t>	</a:t>
-            </a:r>
-            <a:r>
-              <a:rPr lang="es-ES" dirty="0" smtClean="0"/>
-              <a:t>	</a:t>
-            </a:r>
-            <a:r>
-              <a:rPr lang="en-GB" b="1" dirty="0" smtClean="0">
-                <a:effectLst/>
-              </a:rPr>
-              <a:t>git push  origin </a:t>
-            </a:r>
-            <a:r>
-              <a:rPr lang="en-GB" b="1" dirty="0" smtClean="0"/>
-              <a:t>master</a:t>
-            </a:r>
-            <a:endParaRPr lang="es-ES" b="1" dirty="0" smtClean="0"/>
-          </a:p>
-          <a:p>
-            <a:pPr marL="0" indent="0">
-              <a:buNone/>
-            </a:pPr>
-            <a:endParaRPr lang="en-GB" dirty="0"/>
-          </a:p>
-        </p:txBody>
-      </p:sp>
-    </p:spTree>
-    <p:extLst>
-      <p:ext uri="{BB962C8B-B14F-4D97-AF65-F5344CB8AC3E}">
-        <p14:creationId xmlns:p14="http://schemas.microsoft.com/office/powerpoint/2010/main" val="2746414600"/>
-      </p:ext>
-    </p:extLst>
-  </p:cSld>
-  <p:clrMapOvr>
-    <a:masterClrMapping/>
-  </p:clrMapOvr>
-  <p:timing>
-    <p:tnLst>
-      <p:par>
-        <p:cTn id="1" dur="indefinite" restart="never" nodeType="tmRoot"/>
-      </p:par>
-    </p:tnLst>
-  </p:timing>
-</p:sld>
-</file>
-
-<file path=ppt/slides/slide9.xml><?xml version="1.0" encoding="utf-8"?>
-<p:sld xmlns:a="http://schemas.openxmlformats.org/drawingml/2006/main" xmlns:r="http://schemas.openxmlformats.org/officeDocument/2006/relationships" xmlns:p="http://schemas.openxmlformats.org/presentationml/2006/main">
-  <p:cSld>
-    <p:spTree>
-      <p:nvGrpSpPr>
-        <p:cNvPr id="1" name=""/>
-        <p:cNvGrpSpPr/>
-        <p:nvPr/>
-      </p:nvGrpSpPr>
-      <p:grpSpPr>
-        <a:xfrm>
-          <a:off x="0" y="0"/>
-          <a:ext cx="0" cy="0"/>
-          <a:chOff x="0" y="0"/>
-          <a:chExt cx="0" cy="0"/>
-        </a:xfrm>
-      </p:grpSpPr>
-      <p:sp>
-        <p:nvSpPr>
-          <p:cNvPr id="2" name="1 Título"/>
-          <p:cNvSpPr>
-            <a:spLocks noGrp="1"/>
-          </p:cNvSpPr>
-          <p:nvPr>
-            <p:ph type="title"/>
-          </p:nvPr>
-        </p:nvSpPr>
-        <p:spPr/>
-        <p:txBody>
-          <a:bodyPr/>
-          <a:lstStyle/>
-          <a:p>
-            <a:r>
-              <a:rPr lang="es-ES" dirty="0" smtClean="0"/>
-              <a:t>Uso básico - </a:t>
-            </a:r>
-            <a:r>
-              <a:rPr lang="es-ES" dirty="0" err="1" smtClean="0"/>
-              <a:t>branching</a:t>
-            </a:r>
-            <a:endParaRPr lang="en-GB" dirty="0"/>
-          </a:p>
-        </p:txBody>
-      </p:sp>
-      <p:sp>
-        <p:nvSpPr>
-          <p:cNvPr id="3" name="2 Marcador de contenido"/>
-          <p:cNvSpPr>
-            <a:spLocks noGrp="1"/>
-          </p:cNvSpPr>
-          <p:nvPr>
-            <p:ph idx="1"/>
-          </p:nvPr>
-        </p:nvSpPr>
-        <p:spPr/>
-        <p:txBody>
-          <a:bodyPr/>
-          <a:lstStyle/>
-          <a:p>
-            <a:pPr marL="457200" lvl="1" indent="0">
-              <a:buNone/>
-            </a:pPr>
-            <a:r>
-              <a:rPr lang="es-ES" dirty="0" smtClean="0"/>
-              <a:t>La ramas (</a:t>
-            </a:r>
-            <a:r>
-              <a:rPr lang="es-ES" dirty="0" err="1" smtClean="0"/>
-              <a:t>branches</a:t>
-            </a:r>
-            <a:r>
-              <a:rPr lang="es-ES" dirty="0" smtClean="0"/>
-              <a:t>) son utilizadas para añadir/corregir funcionalidades de forma aislada.</a:t>
-            </a:r>
-          </a:p>
-          <a:p>
-            <a:pPr marL="457200" lvl="1" indent="0">
-              <a:buNone/>
-            </a:pPr>
-            <a:endParaRPr lang="es-ES" dirty="0"/>
-          </a:p>
-          <a:p>
-            <a:pPr marL="457200" lvl="1" indent="0">
-              <a:buNone/>
-            </a:pPr>
-            <a:endParaRPr lang="es-ES" dirty="0" smtClean="0"/>
-          </a:p>
-          <a:p>
-            <a:pPr marL="457200" lvl="1" indent="0">
-              <a:buNone/>
-            </a:pPr>
-            <a:endParaRPr lang="en-GB" dirty="0"/>
-          </a:p>
-        </p:txBody>
-      </p:sp>
-      <p:pic>
-        <p:nvPicPr>
-          <p:cNvPr id="4" name="3 Imagen"/>
-          <p:cNvPicPr>
-            <a:picLocks noChangeAspect="1"/>
-          </p:cNvPicPr>
-          <p:nvPr/>
-        </p:nvPicPr>
-        <p:blipFill>
-          <a:blip r:embed="rId2">
-            <a:extLst>
-              <a:ext uri="{28A0092B-C50C-407E-A947-70E740481C1C}">
-                <a14:useLocalDpi xmlns:a14="http://schemas.microsoft.com/office/drawing/2010/main" val="0"/>
-              </a:ext>
-            </a:extLst>
-          </a:blip>
-          <a:stretch>
-            <a:fillRect/>
-          </a:stretch>
-        </p:blipFill>
-        <p:spPr>
-          <a:xfrm>
-            <a:off x="467544" y="2564904"/>
-            <a:ext cx="8208912" cy="3166252"/>
-          </a:xfrm>
-          <a:prstGeom prst="rect">
-            <a:avLst/>
-          </a:prstGeom>
-        </p:spPr>
-      </p:pic>
-    </p:spTree>
-    <p:extLst>
-      <p:ext uri="{BB962C8B-B14F-4D97-AF65-F5344CB8AC3E}">
-        <p14:creationId xmlns:p14="http://schemas.microsoft.com/office/powerpoint/2010/main" val="259093509"/>
       </p:ext>
     </p:extLst>
   </p:cSld>

--- a/Ceta-02-CS-Http.pptx
+++ b/Ceta-02-CS-Http.pptx
@@ -5,15 +5,27 @@
     <p:sldMasterId id="2147483648" r:id="rId1"/>
   </p:sldMasterIdLst>
   <p:notesMasterIdLst>
-    <p:notesMasterId r:id="rId8"/>
+    <p:notesMasterId r:id="rId20"/>
   </p:notesMasterIdLst>
   <p:sldIdLst>
     <p:sldId id="256" r:id="rId2"/>
-    <p:sldId id="257" r:id="rId3"/>
-    <p:sldId id="260" r:id="rId4"/>
-    <p:sldId id="265" r:id="rId5"/>
-    <p:sldId id="264" r:id="rId6"/>
-    <p:sldId id="263" r:id="rId7"/>
+    <p:sldId id="266" r:id="rId3"/>
+    <p:sldId id="267" r:id="rId4"/>
+    <p:sldId id="275" r:id="rId5"/>
+    <p:sldId id="268" r:id="rId6"/>
+    <p:sldId id="257" r:id="rId7"/>
+    <p:sldId id="260" r:id="rId8"/>
+    <p:sldId id="274" r:id="rId9"/>
+    <p:sldId id="276" r:id="rId10"/>
+    <p:sldId id="277" r:id="rId11"/>
+    <p:sldId id="280" r:id="rId12"/>
+    <p:sldId id="278" r:id="rId13"/>
+    <p:sldId id="273" r:id="rId14"/>
+    <p:sldId id="281" r:id="rId15"/>
+    <p:sldId id="282" r:id="rId16"/>
+    <p:sldId id="283" r:id="rId17"/>
+    <p:sldId id="264" r:id="rId18"/>
+    <p:sldId id="263" r:id="rId19"/>
   </p:sldIdLst>
   <p:sldSz cx="9144000" cy="6858000" type="screen4x3"/>
   <p:notesSz cx="6858000" cy="9144000"/>
@@ -197,7 +209,7 @@
           <a:p>
             <a:fld id="{59334FBA-3A1D-4237-908A-039DFF4811C4}" type="datetimeFigureOut">
               <a:rPr lang="en-GB" smtClean="0"/>
-              <a:t>27/08/2019</a:t>
+              <a:t>03/09/2019</a:t>
             </a:fld>
             <a:endParaRPr lang="en-GB"/>
           </a:p>
@@ -730,7 +742,7 @@
           <a:p>
             <a:fld id="{08F682EE-9541-425B-991D-C4BDCE712F58}" type="datetimeFigureOut">
               <a:rPr lang="en-GB" smtClean="0"/>
-              <a:t>27/08/2019</a:t>
+              <a:t>03/09/2019</a:t>
             </a:fld>
             <a:endParaRPr lang="en-GB"/>
           </a:p>
@@ -900,7 +912,7 @@
           <a:p>
             <a:fld id="{08F682EE-9541-425B-991D-C4BDCE712F58}" type="datetimeFigureOut">
               <a:rPr lang="en-GB" smtClean="0"/>
-              <a:t>27/08/2019</a:t>
+              <a:t>03/09/2019</a:t>
             </a:fld>
             <a:endParaRPr lang="en-GB"/>
           </a:p>
@@ -1080,7 +1092,7 @@
           <a:p>
             <a:fld id="{08F682EE-9541-425B-991D-C4BDCE712F58}" type="datetimeFigureOut">
               <a:rPr lang="en-GB" smtClean="0"/>
-              <a:t>27/08/2019</a:t>
+              <a:t>03/09/2019</a:t>
             </a:fld>
             <a:endParaRPr lang="en-GB"/>
           </a:p>
@@ -1250,7 +1262,7 @@
           <a:p>
             <a:fld id="{08F682EE-9541-425B-991D-C4BDCE712F58}" type="datetimeFigureOut">
               <a:rPr lang="en-GB" smtClean="0"/>
-              <a:t>27/08/2019</a:t>
+              <a:t>03/09/2019</a:t>
             </a:fld>
             <a:endParaRPr lang="en-GB"/>
           </a:p>
@@ -1496,7 +1508,7 @@
           <a:p>
             <a:fld id="{08F682EE-9541-425B-991D-C4BDCE712F58}" type="datetimeFigureOut">
               <a:rPr lang="en-GB" smtClean="0"/>
-              <a:t>27/08/2019</a:t>
+              <a:t>03/09/2019</a:t>
             </a:fld>
             <a:endParaRPr lang="en-GB"/>
           </a:p>
@@ -1784,7 +1796,7 @@
           <a:p>
             <a:fld id="{08F682EE-9541-425B-991D-C4BDCE712F58}" type="datetimeFigureOut">
               <a:rPr lang="en-GB" smtClean="0"/>
-              <a:t>27/08/2019</a:t>
+              <a:t>03/09/2019</a:t>
             </a:fld>
             <a:endParaRPr lang="en-GB"/>
           </a:p>
@@ -2206,7 +2218,7 @@
           <a:p>
             <a:fld id="{08F682EE-9541-425B-991D-C4BDCE712F58}" type="datetimeFigureOut">
               <a:rPr lang="en-GB" smtClean="0"/>
-              <a:t>27/08/2019</a:t>
+              <a:t>03/09/2019</a:t>
             </a:fld>
             <a:endParaRPr lang="en-GB"/>
           </a:p>
@@ -2324,7 +2336,7 @@
           <a:p>
             <a:fld id="{08F682EE-9541-425B-991D-C4BDCE712F58}" type="datetimeFigureOut">
               <a:rPr lang="en-GB" smtClean="0"/>
-              <a:t>27/08/2019</a:t>
+              <a:t>03/09/2019</a:t>
             </a:fld>
             <a:endParaRPr lang="en-GB"/>
           </a:p>
@@ -2419,7 +2431,7 @@
           <a:p>
             <a:fld id="{08F682EE-9541-425B-991D-C4BDCE712F58}" type="datetimeFigureOut">
               <a:rPr lang="en-GB" smtClean="0"/>
-              <a:t>27/08/2019</a:t>
+              <a:t>03/09/2019</a:t>
             </a:fld>
             <a:endParaRPr lang="en-GB"/>
           </a:p>
@@ -2696,7 +2708,7 @@
           <a:p>
             <a:fld id="{08F682EE-9541-425B-991D-C4BDCE712F58}" type="datetimeFigureOut">
               <a:rPr lang="en-GB" smtClean="0"/>
-              <a:t>27/08/2019</a:t>
+              <a:t>03/09/2019</a:t>
             </a:fld>
             <a:endParaRPr lang="en-GB"/>
           </a:p>
@@ -2949,7 +2961,7 @@
           <a:p>
             <a:fld id="{08F682EE-9541-425B-991D-C4BDCE712F58}" type="datetimeFigureOut">
               <a:rPr lang="en-GB" smtClean="0"/>
-              <a:t>27/08/2019</a:t>
+              <a:t>03/09/2019</a:t>
             </a:fld>
             <a:endParaRPr lang="en-GB"/>
           </a:p>
@@ -3162,7 +3174,7 @@
           <a:p>
             <a:fld id="{08F682EE-9541-425B-991D-C4BDCE712F58}" type="datetimeFigureOut">
               <a:rPr lang="en-GB" smtClean="0"/>
-              <a:t>27/08/2019</a:t>
+              <a:t>03/09/2019</a:t>
             </a:fld>
             <a:endParaRPr lang="en-GB"/>
           </a:p>
@@ -3631,6 +3643,1249 @@
 </p:sld>
 </file>
 
+<file path=ppt/slides/slide10.xml><?xml version="1.0" encoding="utf-8"?>
+<p:sld xmlns:a="http://schemas.openxmlformats.org/drawingml/2006/main" xmlns:r="http://schemas.openxmlformats.org/officeDocument/2006/relationships" xmlns:p="http://schemas.openxmlformats.org/presentationml/2006/main">
+  <p:cSld>
+    <p:spTree>
+      <p:nvGrpSpPr>
+        <p:cNvPr id="1" name=""/>
+        <p:cNvGrpSpPr/>
+        <p:nvPr/>
+      </p:nvGrpSpPr>
+      <p:grpSpPr>
+        <a:xfrm>
+          <a:off x="0" y="0"/>
+          <a:ext cx="0" cy="0"/>
+          <a:chOff x="0" y="0"/>
+          <a:chExt cx="0" cy="0"/>
+        </a:xfrm>
+      </p:grpSpPr>
+      <p:sp>
+        <p:nvSpPr>
+          <p:cNvPr id="2" name="1 Título"/>
+          <p:cNvSpPr>
+            <a:spLocks noGrp="1"/>
+          </p:cNvSpPr>
+          <p:nvPr>
+            <p:ph type="title"/>
+          </p:nvPr>
+        </p:nvSpPr>
+        <p:spPr/>
+        <p:txBody>
+          <a:bodyPr/>
+          <a:lstStyle/>
+          <a:p>
+            <a:r>
+              <a:rPr lang="es-ES" dirty="0" smtClean="0"/>
+              <a:t>Internet-HTTP</a:t>
+            </a:r>
+            <a:endParaRPr lang="en-GB" dirty="0"/>
+          </a:p>
+        </p:txBody>
+      </p:sp>
+      <p:sp>
+        <p:nvSpPr>
+          <p:cNvPr id="3" name="2 Marcador de contenido"/>
+          <p:cNvSpPr>
+            <a:spLocks noGrp="1"/>
+          </p:cNvSpPr>
+          <p:nvPr>
+            <p:ph idx="1"/>
+          </p:nvPr>
+        </p:nvSpPr>
+        <p:spPr/>
+        <p:txBody>
+          <a:bodyPr/>
+          <a:lstStyle/>
+          <a:p>
+            <a:r>
+              <a:rPr lang="es-ES" dirty="0" smtClean="0"/>
+              <a:t>Protocolo de transferencia de hipertexto</a:t>
+            </a:r>
+          </a:p>
+          <a:p>
+            <a:r>
+              <a:rPr lang="es-ES" dirty="0"/>
+              <a:t> </a:t>
+            </a:r>
+            <a:r>
+              <a:rPr lang="es-ES" dirty="0" smtClean="0"/>
+              <a:t>Es </a:t>
+            </a:r>
+            <a:r>
+              <a:rPr lang="es-ES" dirty="0"/>
+              <a:t>el </a:t>
+            </a:r>
+            <a:r>
+              <a:rPr lang="es-ES" dirty="0">
+                <a:hlinkClick r:id="rId2" tooltip="Protocolo de comunicaciones"/>
+              </a:rPr>
+              <a:t>protocolo</a:t>
+            </a:r>
+            <a:r>
+              <a:rPr lang="es-ES" dirty="0"/>
+              <a:t> de comunicación que permite las transferencias de información en la </a:t>
+            </a:r>
+            <a:r>
+              <a:rPr lang="es-ES" dirty="0" err="1">
+                <a:hlinkClick r:id="rId3" tooltip="World Wide Web"/>
+              </a:rPr>
+              <a:t>World</a:t>
+            </a:r>
+            <a:r>
+              <a:rPr lang="es-ES" dirty="0">
+                <a:hlinkClick r:id="rId3" tooltip="World Wide Web"/>
+              </a:rPr>
+              <a:t> Wide </a:t>
+            </a:r>
+            <a:r>
+              <a:rPr lang="es-ES" dirty="0" smtClean="0">
+                <a:hlinkClick r:id="rId3" tooltip="World Wide Web"/>
+              </a:rPr>
+              <a:t>Web</a:t>
+            </a:r>
+            <a:r>
+              <a:rPr lang="es-ES" dirty="0" smtClean="0"/>
+              <a:t>.</a:t>
+            </a:r>
+          </a:p>
+          <a:p>
+            <a:endParaRPr lang="es-ES" dirty="0"/>
+          </a:p>
+          <a:p>
+            <a:r>
+              <a:rPr lang="es-ES" dirty="0" smtClean="0"/>
+              <a:t>GET (</a:t>
+            </a:r>
+            <a:r>
+              <a:rPr lang="es-ES" dirty="0" err="1" smtClean="0"/>
+              <a:t>cached</a:t>
+            </a:r>
+            <a:r>
+              <a:rPr lang="es-ES" dirty="0" smtClean="0"/>
+              <a:t>)</a:t>
+            </a:r>
+          </a:p>
+          <a:p>
+            <a:r>
+              <a:rPr lang="es-ES" dirty="0" smtClean="0"/>
+              <a:t>POST</a:t>
+            </a:r>
+          </a:p>
+          <a:p>
+            <a:endParaRPr lang="es-ES" dirty="0"/>
+          </a:p>
+          <a:p>
+            <a:pPr marL="0" indent="0">
+              <a:buNone/>
+            </a:pPr>
+            <a:endParaRPr lang="es-ES" b="1" dirty="0" smtClean="0"/>
+          </a:p>
+          <a:p>
+            <a:pPr marL="0" indent="0">
+              <a:buNone/>
+            </a:pPr>
+            <a:endParaRPr lang="es-ES" b="1" dirty="0"/>
+          </a:p>
+          <a:p>
+            <a:pPr marL="0" indent="0">
+              <a:buNone/>
+            </a:pPr>
+            <a:endParaRPr lang="es-ES" b="1" dirty="0" smtClean="0"/>
+          </a:p>
+          <a:p>
+            <a:pPr marL="0" indent="0">
+              <a:buNone/>
+            </a:pPr>
+            <a:endParaRPr lang="es-ES" b="1" dirty="0"/>
+          </a:p>
+          <a:p>
+            <a:pPr marL="0" indent="0">
+              <a:buNone/>
+            </a:pPr>
+            <a:endParaRPr lang="es-ES" b="1" dirty="0" smtClean="0"/>
+          </a:p>
+          <a:p>
+            <a:pPr marL="0" indent="0">
+              <a:buNone/>
+            </a:pPr>
+            <a:endParaRPr lang="en-GB" b="1" dirty="0"/>
+          </a:p>
+          <a:p>
+            <a:endParaRPr lang="en-GB" b="1" dirty="0"/>
+          </a:p>
+        </p:txBody>
+      </p:sp>
+    </p:spTree>
+    <p:extLst>
+      <p:ext uri="{BB962C8B-B14F-4D97-AF65-F5344CB8AC3E}">
+        <p14:creationId xmlns:p14="http://schemas.microsoft.com/office/powerpoint/2010/main" val="1886735342"/>
+      </p:ext>
+    </p:extLst>
+  </p:cSld>
+  <p:clrMapOvr>
+    <a:masterClrMapping/>
+  </p:clrMapOvr>
+</p:sld>
+</file>
+
+<file path=ppt/slides/slide11.xml><?xml version="1.0" encoding="utf-8"?>
+<p:sld xmlns:a="http://schemas.openxmlformats.org/drawingml/2006/main" xmlns:r="http://schemas.openxmlformats.org/officeDocument/2006/relationships" xmlns:p="http://schemas.openxmlformats.org/presentationml/2006/main">
+  <p:cSld>
+    <p:spTree>
+      <p:nvGrpSpPr>
+        <p:cNvPr id="1" name=""/>
+        <p:cNvGrpSpPr/>
+        <p:nvPr/>
+      </p:nvGrpSpPr>
+      <p:grpSpPr>
+        <a:xfrm>
+          <a:off x="0" y="0"/>
+          <a:ext cx="0" cy="0"/>
+          <a:chOff x="0" y="0"/>
+          <a:chExt cx="0" cy="0"/>
+        </a:xfrm>
+      </p:grpSpPr>
+      <p:sp>
+        <p:nvSpPr>
+          <p:cNvPr id="2" name="1 Título"/>
+          <p:cNvSpPr>
+            <a:spLocks noGrp="1"/>
+          </p:cNvSpPr>
+          <p:nvPr>
+            <p:ph type="title"/>
+          </p:nvPr>
+        </p:nvSpPr>
+        <p:spPr/>
+        <p:txBody>
+          <a:bodyPr/>
+          <a:lstStyle/>
+          <a:p>
+            <a:r>
+              <a:rPr lang="es-ES" dirty="0" smtClean="0"/>
+              <a:t>Internet-HTTP</a:t>
+            </a:r>
+            <a:endParaRPr lang="en-GB" dirty="0"/>
+          </a:p>
+        </p:txBody>
+      </p:sp>
+      <p:pic>
+        <p:nvPicPr>
+          <p:cNvPr id="4" name="3 Marcador de contenido"/>
+          <p:cNvPicPr>
+            <a:picLocks noGrp="1" noChangeAspect="1"/>
+          </p:cNvPicPr>
+          <p:nvPr>
+            <p:ph idx="1"/>
+          </p:nvPr>
+        </p:nvPicPr>
+        <p:blipFill>
+          <a:blip r:embed="rId2">
+            <a:extLst>
+              <a:ext uri="{28A0092B-C50C-407E-A947-70E740481C1C}">
+                <a14:useLocalDpi xmlns:a14="http://schemas.microsoft.com/office/drawing/2010/main" val="0"/>
+              </a:ext>
+            </a:extLst>
+          </a:blip>
+          <a:stretch>
+            <a:fillRect/>
+          </a:stretch>
+        </p:blipFill>
+        <p:spPr>
+          <a:xfrm>
+            <a:off x="1989080" y="1600200"/>
+            <a:ext cx="5165840" cy="4525963"/>
+          </a:xfrm>
+        </p:spPr>
+      </p:pic>
+    </p:spTree>
+    <p:extLst>
+      <p:ext uri="{BB962C8B-B14F-4D97-AF65-F5344CB8AC3E}">
+        <p14:creationId xmlns:p14="http://schemas.microsoft.com/office/powerpoint/2010/main" val="3025133525"/>
+      </p:ext>
+    </p:extLst>
+  </p:cSld>
+  <p:clrMapOvr>
+    <a:masterClrMapping/>
+  </p:clrMapOvr>
+</p:sld>
+</file>
+
+<file path=ppt/slides/slide12.xml><?xml version="1.0" encoding="utf-8"?>
+<p:sld xmlns:a="http://schemas.openxmlformats.org/drawingml/2006/main" xmlns:r="http://schemas.openxmlformats.org/officeDocument/2006/relationships" xmlns:p="http://schemas.openxmlformats.org/presentationml/2006/main">
+  <p:cSld>
+    <p:spTree>
+      <p:nvGrpSpPr>
+        <p:cNvPr id="1" name=""/>
+        <p:cNvGrpSpPr/>
+        <p:nvPr/>
+      </p:nvGrpSpPr>
+      <p:grpSpPr>
+        <a:xfrm>
+          <a:off x="0" y="0"/>
+          <a:ext cx="0" cy="0"/>
+          <a:chOff x="0" y="0"/>
+          <a:chExt cx="0" cy="0"/>
+        </a:xfrm>
+      </p:grpSpPr>
+      <p:sp>
+        <p:nvSpPr>
+          <p:cNvPr id="2" name="1 Título"/>
+          <p:cNvSpPr>
+            <a:spLocks noGrp="1"/>
+          </p:cNvSpPr>
+          <p:nvPr>
+            <p:ph type="title"/>
+          </p:nvPr>
+        </p:nvSpPr>
+        <p:spPr/>
+        <p:txBody>
+          <a:bodyPr/>
+          <a:lstStyle/>
+          <a:p>
+            <a:r>
+              <a:rPr lang="es-ES" dirty="0" smtClean="0"/>
+              <a:t>Internet-Solicitud</a:t>
+            </a:r>
+            <a:endParaRPr lang="en-GB" dirty="0"/>
+          </a:p>
+        </p:txBody>
+      </p:sp>
+      <p:pic>
+        <p:nvPicPr>
+          <p:cNvPr id="8" name="7 Marcador de contenido"/>
+          <p:cNvPicPr>
+            <a:picLocks noGrp="1" noChangeAspect="1"/>
+          </p:cNvPicPr>
+          <p:nvPr>
+            <p:ph idx="1"/>
+          </p:nvPr>
+        </p:nvPicPr>
+        <p:blipFill>
+          <a:blip r:embed="rId2">
+            <a:extLst>
+              <a:ext uri="{28A0092B-C50C-407E-A947-70E740481C1C}">
+                <a14:useLocalDpi xmlns:a14="http://schemas.microsoft.com/office/drawing/2010/main" val="0"/>
+              </a:ext>
+            </a:extLst>
+          </a:blip>
+          <a:stretch>
+            <a:fillRect/>
+          </a:stretch>
+        </p:blipFill>
+        <p:spPr>
+          <a:xfrm>
+            <a:off x="1403648" y="1988840"/>
+            <a:ext cx="6192688" cy="3207841"/>
+          </a:xfrm>
+        </p:spPr>
+      </p:pic>
+    </p:spTree>
+    <p:extLst>
+      <p:ext uri="{BB962C8B-B14F-4D97-AF65-F5344CB8AC3E}">
+        <p14:creationId xmlns:p14="http://schemas.microsoft.com/office/powerpoint/2010/main" val="2299102894"/>
+      </p:ext>
+    </p:extLst>
+  </p:cSld>
+  <p:clrMapOvr>
+    <a:masterClrMapping/>
+  </p:clrMapOvr>
+</p:sld>
+</file>
+
+<file path=ppt/slides/slide13.xml><?xml version="1.0" encoding="utf-8"?>
+<p:sld xmlns:a="http://schemas.openxmlformats.org/drawingml/2006/main" xmlns:r="http://schemas.openxmlformats.org/officeDocument/2006/relationships" xmlns:p="http://schemas.openxmlformats.org/presentationml/2006/main">
+  <p:cSld>
+    <p:spTree>
+      <p:nvGrpSpPr>
+        <p:cNvPr id="1" name=""/>
+        <p:cNvGrpSpPr/>
+        <p:nvPr/>
+      </p:nvGrpSpPr>
+      <p:grpSpPr>
+        <a:xfrm>
+          <a:off x="0" y="0"/>
+          <a:ext cx="0" cy="0"/>
+          <a:chOff x="0" y="0"/>
+          <a:chExt cx="0" cy="0"/>
+        </a:xfrm>
+      </p:grpSpPr>
+      <p:sp>
+        <p:nvSpPr>
+          <p:cNvPr id="2" name="1 Título"/>
+          <p:cNvSpPr>
+            <a:spLocks noGrp="1"/>
+          </p:cNvSpPr>
+          <p:nvPr>
+            <p:ph type="title"/>
+          </p:nvPr>
+        </p:nvSpPr>
+        <p:spPr/>
+        <p:txBody>
+          <a:bodyPr/>
+          <a:lstStyle/>
+          <a:p>
+            <a:r>
+              <a:rPr lang="es-ES" dirty="0" smtClean="0"/>
+              <a:t>HTML</a:t>
+            </a:r>
+            <a:endParaRPr lang="en-GB" dirty="0"/>
+          </a:p>
+        </p:txBody>
+      </p:sp>
+      <p:sp>
+        <p:nvSpPr>
+          <p:cNvPr id="3" name="2 Marcador de contenido"/>
+          <p:cNvSpPr>
+            <a:spLocks noGrp="1"/>
+          </p:cNvSpPr>
+          <p:nvPr>
+            <p:ph idx="1"/>
+          </p:nvPr>
+        </p:nvSpPr>
+        <p:spPr/>
+        <p:txBody>
+          <a:bodyPr>
+            <a:normAutofit/>
+          </a:bodyPr>
+          <a:lstStyle/>
+          <a:p>
+            <a:pPr marL="0" indent="0">
+              <a:buNone/>
+            </a:pPr>
+            <a:r>
+              <a:rPr lang="es-ES" sz="2400" dirty="0" smtClean="0"/>
+              <a:t>Lenguaje de marca de hipertexto</a:t>
+            </a:r>
+          </a:p>
+          <a:p>
+            <a:pPr marL="0" indent="0">
+              <a:buNone/>
+            </a:pPr>
+            <a:endParaRPr lang="es-ES" sz="2400" dirty="0" smtClean="0"/>
+          </a:p>
+          <a:p>
+            <a:pPr marL="0" indent="0">
+              <a:buNone/>
+            </a:pPr>
+            <a:r>
+              <a:rPr lang="es-ES" sz="2400" dirty="0" smtClean="0"/>
+              <a:t>¿Para que sirve?</a:t>
+            </a:r>
+          </a:p>
+          <a:p>
+            <a:pPr marL="0" indent="0">
+              <a:buNone/>
+            </a:pPr>
+            <a:r>
+              <a:rPr lang="es-ES" sz="2400" dirty="0" smtClean="0"/>
+              <a:t>Para estructurar documentos de marcas de hipertexto.</a:t>
+            </a:r>
+          </a:p>
+          <a:p>
+            <a:pPr marL="0" indent="0">
+              <a:buNone/>
+            </a:pPr>
+            <a:endParaRPr lang="es-ES" sz="2400" dirty="0" smtClean="0"/>
+          </a:p>
+          <a:p>
+            <a:pPr marL="0" indent="0">
+              <a:buNone/>
+            </a:pPr>
+            <a:r>
+              <a:rPr lang="es-ES" sz="2400" dirty="0" smtClean="0"/>
+              <a:t>¿Cómo?</a:t>
+            </a:r>
+          </a:p>
+          <a:p>
+            <a:pPr marL="0" indent="0">
+              <a:buNone/>
+            </a:pPr>
+            <a:r>
+              <a:rPr lang="es-ES" sz="2400" dirty="0" smtClean="0"/>
+              <a:t>Mediante el uso de etiquetas (</a:t>
+            </a:r>
+            <a:r>
+              <a:rPr lang="es-ES" sz="2400" dirty="0" err="1" smtClean="0"/>
+              <a:t>tags</a:t>
+            </a:r>
+            <a:r>
+              <a:rPr lang="es-ES" sz="2400" dirty="0" smtClean="0"/>
+              <a:t>)</a:t>
+            </a:r>
+          </a:p>
+          <a:p>
+            <a:pPr marL="0" indent="0">
+              <a:buNone/>
+            </a:pPr>
+            <a:endParaRPr lang="es-ES" sz="2400" dirty="0"/>
+          </a:p>
+          <a:p>
+            <a:pPr marL="0" indent="0">
+              <a:buNone/>
+            </a:pPr>
+            <a:endParaRPr lang="es-ES" sz="2400" dirty="0"/>
+          </a:p>
+          <a:p>
+            <a:pPr marL="0" indent="0">
+              <a:buNone/>
+            </a:pPr>
+            <a:endParaRPr lang="es-ES" dirty="0" smtClean="0"/>
+          </a:p>
+          <a:p>
+            <a:pPr marL="0" indent="0">
+              <a:buNone/>
+            </a:pPr>
+            <a:endParaRPr lang="es-ES" dirty="0" smtClean="0"/>
+          </a:p>
+          <a:p>
+            <a:pPr marL="0" indent="0">
+              <a:buNone/>
+            </a:pPr>
+            <a:endParaRPr lang="es-ES" dirty="0"/>
+          </a:p>
+          <a:p>
+            <a:pPr marL="0" indent="0">
+              <a:buNone/>
+            </a:pPr>
+            <a:endParaRPr lang="es-ES" dirty="0" smtClean="0"/>
+          </a:p>
+          <a:p>
+            <a:endParaRPr lang="es-ES" dirty="0" smtClean="0"/>
+          </a:p>
+          <a:p>
+            <a:endParaRPr lang="en-GB" dirty="0"/>
+          </a:p>
+        </p:txBody>
+      </p:sp>
+      <p:pic>
+        <p:nvPicPr>
+          <p:cNvPr id="4" name="3 Imagen"/>
+          <p:cNvPicPr>
+            <a:picLocks noChangeAspect="1"/>
+          </p:cNvPicPr>
+          <p:nvPr/>
+        </p:nvPicPr>
+        <p:blipFill>
+          <a:blip r:embed="rId2">
+            <a:extLst>
+              <a:ext uri="{28A0092B-C50C-407E-A947-70E740481C1C}">
+                <a14:useLocalDpi xmlns:a14="http://schemas.microsoft.com/office/drawing/2010/main" val="0"/>
+              </a:ext>
+            </a:extLst>
+          </a:blip>
+          <a:stretch>
+            <a:fillRect/>
+          </a:stretch>
+        </p:blipFill>
+        <p:spPr>
+          <a:xfrm>
+            <a:off x="325204" y="4725144"/>
+            <a:ext cx="8547100" cy="1371600"/>
+          </a:xfrm>
+          <a:prstGeom prst="rect">
+            <a:avLst/>
+          </a:prstGeom>
+        </p:spPr>
+      </p:pic>
+    </p:spTree>
+    <p:extLst>
+      <p:ext uri="{BB962C8B-B14F-4D97-AF65-F5344CB8AC3E}">
+        <p14:creationId xmlns:p14="http://schemas.microsoft.com/office/powerpoint/2010/main" val="2462725391"/>
+      </p:ext>
+    </p:extLst>
+  </p:cSld>
+  <p:clrMapOvr>
+    <a:masterClrMapping/>
+  </p:clrMapOvr>
+</p:sld>
+</file>
+
+<file path=ppt/slides/slide14.xml><?xml version="1.0" encoding="utf-8"?>
+<p:sld xmlns:a="http://schemas.openxmlformats.org/drawingml/2006/main" xmlns:r="http://schemas.openxmlformats.org/officeDocument/2006/relationships" xmlns:p="http://schemas.openxmlformats.org/presentationml/2006/main">
+  <p:cSld>
+    <p:spTree>
+      <p:nvGrpSpPr>
+        <p:cNvPr id="1" name=""/>
+        <p:cNvGrpSpPr/>
+        <p:nvPr/>
+      </p:nvGrpSpPr>
+      <p:grpSpPr>
+        <a:xfrm>
+          <a:off x="0" y="0"/>
+          <a:ext cx="0" cy="0"/>
+          <a:chOff x="0" y="0"/>
+          <a:chExt cx="0" cy="0"/>
+        </a:xfrm>
+      </p:grpSpPr>
+      <p:sp>
+        <p:nvSpPr>
+          <p:cNvPr id="2" name="1 Título"/>
+          <p:cNvSpPr>
+            <a:spLocks noGrp="1"/>
+          </p:cNvSpPr>
+          <p:nvPr>
+            <p:ph type="title"/>
+          </p:nvPr>
+        </p:nvSpPr>
+        <p:spPr/>
+        <p:txBody>
+          <a:bodyPr/>
+          <a:lstStyle/>
+          <a:p>
+            <a:r>
+              <a:rPr lang="es-ES" dirty="0" smtClean="0"/>
+              <a:t>HTML-Documento</a:t>
+            </a:r>
+            <a:endParaRPr lang="en-GB" dirty="0"/>
+          </a:p>
+        </p:txBody>
+      </p:sp>
+      <p:pic>
+        <p:nvPicPr>
+          <p:cNvPr id="4" name="3 Marcador de contenido"/>
+          <p:cNvPicPr>
+            <a:picLocks noGrp="1" noChangeAspect="1"/>
+          </p:cNvPicPr>
+          <p:nvPr>
+            <p:ph idx="1"/>
+          </p:nvPr>
+        </p:nvPicPr>
+        <p:blipFill>
+          <a:blip r:embed="rId2">
+            <a:extLst>
+              <a:ext uri="{28A0092B-C50C-407E-A947-70E740481C1C}">
+                <a14:useLocalDpi xmlns:a14="http://schemas.microsoft.com/office/drawing/2010/main" val="0"/>
+              </a:ext>
+            </a:extLst>
+          </a:blip>
+          <a:stretch>
+            <a:fillRect/>
+          </a:stretch>
+        </p:blipFill>
+        <p:spPr>
+          <a:xfrm>
+            <a:off x="1111192" y="1600200"/>
+            <a:ext cx="6921615" cy="4525963"/>
+          </a:xfrm>
+        </p:spPr>
+      </p:pic>
+    </p:spTree>
+    <p:extLst>
+      <p:ext uri="{BB962C8B-B14F-4D97-AF65-F5344CB8AC3E}">
+        <p14:creationId xmlns:p14="http://schemas.microsoft.com/office/powerpoint/2010/main" val="413165279"/>
+      </p:ext>
+    </p:extLst>
+  </p:cSld>
+  <p:clrMapOvr>
+    <a:masterClrMapping/>
+  </p:clrMapOvr>
+</p:sld>
+</file>
+
+<file path=ppt/slides/slide15.xml><?xml version="1.0" encoding="utf-8"?>
+<p:sld xmlns:a="http://schemas.openxmlformats.org/drawingml/2006/main" xmlns:r="http://schemas.openxmlformats.org/officeDocument/2006/relationships" xmlns:p="http://schemas.openxmlformats.org/presentationml/2006/main">
+  <p:cSld>
+    <p:spTree>
+      <p:nvGrpSpPr>
+        <p:cNvPr id="1" name=""/>
+        <p:cNvGrpSpPr/>
+        <p:nvPr/>
+      </p:nvGrpSpPr>
+      <p:grpSpPr>
+        <a:xfrm>
+          <a:off x="0" y="0"/>
+          <a:ext cx="0" cy="0"/>
+          <a:chOff x="0" y="0"/>
+          <a:chExt cx="0" cy="0"/>
+        </a:xfrm>
+      </p:grpSpPr>
+      <p:sp>
+        <p:nvSpPr>
+          <p:cNvPr id="2" name="1 Título"/>
+          <p:cNvSpPr>
+            <a:spLocks noGrp="1"/>
+          </p:cNvSpPr>
+          <p:nvPr>
+            <p:ph type="title"/>
+          </p:nvPr>
+        </p:nvSpPr>
+        <p:spPr/>
+        <p:txBody>
+          <a:bodyPr/>
+          <a:lstStyle/>
+          <a:p>
+            <a:r>
+              <a:rPr lang="es-ES" dirty="0" smtClean="0"/>
+              <a:t>HTML-</a:t>
+            </a:r>
+            <a:r>
+              <a:rPr lang="es-ES" dirty="0" err="1" smtClean="0"/>
+              <a:t>Tags</a:t>
+            </a:r>
+            <a:r>
+              <a:rPr lang="es-ES" dirty="0" smtClean="0"/>
+              <a:t> básicos</a:t>
+            </a:r>
+            <a:endParaRPr lang="en-GB" dirty="0"/>
+          </a:p>
+        </p:txBody>
+      </p:sp>
+      <p:sp>
+        <p:nvSpPr>
+          <p:cNvPr id="3" name="2 Marcador de contenido"/>
+          <p:cNvSpPr>
+            <a:spLocks noGrp="1"/>
+          </p:cNvSpPr>
+          <p:nvPr>
+            <p:ph idx="1"/>
+          </p:nvPr>
+        </p:nvSpPr>
+        <p:spPr/>
+        <p:txBody>
+          <a:bodyPr>
+            <a:normAutofit/>
+          </a:bodyPr>
+          <a:lstStyle/>
+          <a:p>
+            <a:r>
+              <a:rPr lang="pt-BR" dirty="0" err="1" smtClean="0"/>
+              <a:t>Heder</a:t>
+            </a:r>
+            <a:r>
+              <a:rPr lang="pt-BR" dirty="0" smtClean="0"/>
+              <a:t> &lt;h1</a:t>
+            </a:r>
+            <a:r>
+              <a:rPr lang="pt-BR" dirty="0"/>
+              <a:t>&gt;, &lt;h2&gt;, &lt;h3&gt;, &lt;h4&gt;, &lt;h5&gt;, &lt;h6</a:t>
+            </a:r>
+            <a:r>
+              <a:rPr lang="pt-BR" dirty="0" smtClean="0"/>
+              <a:t>&gt;</a:t>
+            </a:r>
+          </a:p>
+          <a:p>
+            <a:r>
+              <a:rPr lang="pt-BR" dirty="0" err="1" smtClean="0"/>
+              <a:t>Paragraph</a:t>
+            </a:r>
+            <a:r>
+              <a:rPr lang="pt-BR" dirty="0" smtClean="0"/>
+              <a:t> </a:t>
+            </a:r>
+            <a:r>
+              <a:rPr lang="en-GB" dirty="0"/>
+              <a:t>&lt;p</a:t>
+            </a:r>
+            <a:r>
+              <a:rPr lang="en-GB" dirty="0" smtClean="0"/>
+              <a:t>&gt;</a:t>
+            </a:r>
+          </a:p>
+          <a:p>
+            <a:r>
+              <a:rPr lang="en-GB" dirty="0"/>
+              <a:t>H</a:t>
+            </a:r>
+            <a:r>
+              <a:rPr lang="en-GB" dirty="0" smtClean="0"/>
+              <a:t>orizontal ruler &lt;</a:t>
+            </a:r>
+            <a:r>
+              <a:rPr lang="en-GB" dirty="0" err="1" smtClean="0"/>
+              <a:t>hr</a:t>
+            </a:r>
+            <a:r>
+              <a:rPr lang="en-GB" dirty="0" smtClean="0"/>
+              <a:t>&gt;</a:t>
+            </a:r>
+          </a:p>
+          <a:p>
+            <a:r>
+              <a:rPr lang="es-ES" dirty="0" smtClean="0"/>
+              <a:t>Link </a:t>
+            </a:r>
+            <a:r>
+              <a:rPr lang="en-GB" dirty="0"/>
+              <a:t>&lt;a</a:t>
+            </a:r>
+            <a:r>
+              <a:rPr lang="en-GB" dirty="0" smtClean="0"/>
+              <a:t>&gt;</a:t>
+            </a:r>
+          </a:p>
+          <a:p>
+            <a:r>
+              <a:rPr lang="es-ES" dirty="0" err="1" smtClean="0"/>
+              <a:t>List</a:t>
+            </a:r>
+            <a:r>
+              <a:rPr lang="es-ES" dirty="0" smtClean="0"/>
+              <a:t> </a:t>
+            </a:r>
+            <a:r>
+              <a:rPr lang="en-GB" dirty="0"/>
+              <a:t>&lt;</a:t>
+            </a:r>
+            <a:r>
+              <a:rPr lang="en-GB" dirty="0" err="1"/>
+              <a:t>ul</a:t>
+            </a:r>
+            <a:r>
+              <a:rPr lang="en-GB" dirty="0" smtClean="0"/>
+              <a:t>&gt; &lt;li&gt;</a:t>
+            </a:r>
+          </a:p>
+          <a:p>
+            <a:endParaRPr lang="en-GB" dirty="0"/>
+          </a:p>
+        </p:txBody>
+      </p:sp>
+    </p:spTree>
+    <p:extLst>
+      <p:ext uri="{BB962C8B-B14F-4D97-AF65-F5344CB8AC3E}">
+        <p14:creationId xmlns:p14="http://schemas.microsoft.com/office/powerpoint/2010/main" val="2663326344"/>
+      </p:ext>
+    </p:extLst>
+  </p:cSld>
+  <p:clrMapOvr>
+    <a:masterClrMapping/>
+  </p:clrMapOvr>
+</p:sld>
+</file>
+
+<file path=ppt/slides/slide16.xml><?xml version="1.0" encoding="utf-8"?>
+<p:sld xmlns:a="http://schemas.openxmlformats.org/drawingml/2006/main" xmlns:r="http://schemas.openxmlformats.org/officeDocument/2006/relationships" xmlns:p="http://schemas.openxmlformats.org/presentationml/2006/main">
+  <p:cSld>
+    <p:spTree>
+      <p:nvGrpSpPr>
+        <p:cNvPr id="1" name=""/>
+        <p:cNvGrpSpPr/>
+        <p:nvPr/>
+      </p:nvGrpSpPr>
+      <p:grpSpPr>
+        <a:xfrm>
+          <a:off x="0" y="0"/>
+          <a:ext cx="0" cy="0"/>
+          <a:chOff x="0" y="0"/>
+          <a:chExt cx="0" cy="0"/>
+        </a:xfrm>
+      </p:grpSpPr>
+      <p:sp>
+        <p:nvSpPr>
+          <p:cNvPr id="2" name="1 Título"/>
+          <p:cNvSpPr>
+            <a:spLocks noGrp="1"/>
+          </p:cNvSpPr>
+          <p:nvPr>
+            <p:ph type="title"/>
+          </p:nvPr>
+        </p:nvSpPr>
+        <p:spPr/>
+        <p:txBody>
+          <a:bodyPr/>
+          <a:lstStyle/>
+          <a:p>
+            <a:r>
+              <a:rPr lang="es-ES" dirty="0" smtClean="0"/>
+              <a:t>HTML- </a:t>
+            </a:r>
+            <a:r>
+              <a:rPr lang="es-ES" dirty="0" err="1" smtClean="0"/>
+              <a:t>Tags</a:t>
+            </a:r>
+            <a:r>
+              <a:rPr lang="es-ES" dirty="0" smtClean="0"/>
+              <a:t> básicos</a:t>
+            </a:r>
+            <a:endParaRPr lang="en-GB" dirty="0"/>
+          </a:p>
+        </p:txBody>
+      </p:sp>
+      <p:sp>
+        <p:nvSpPr>
+          <p:cNvPr id="3" name="2 Marcador de contenido"/>
+          <p:cNvSpPr>
+            <a:spLocks noGrp="1"/>
+          </p:cNvSpPr>
+          <p:nvPr>
+            <p:ph idx="1"/>
+          </p:nvPr>
+        </p:nvSpPr>
+        <p:spPr/>
+        <p:txBody>
+          <a:bodyPr/>
+          <a:lstStyle/>
+          <a:p>
+            <a:r>
+              <a:rPr lang="es-ES" dirty="0" smtClean="0"/>
+              <a:t>Break </a:t>
+            </a:r>
+            <a:r>
+              <a:rPr lang="pt-BR" dirty="0" smtClean="0"/>
+              <a:t>&lt;</a:t>
+            </a:r>
+            <a:r>
+              <a:rPr lang="pt-BR" dirty="0" err="1" smtClean="0"/>
+              <a:t>br</a:t>
+            </a:r>
+            <a:r>
+              <a:rPr lang="pt-BR" dirty="0" smtClean="0"/>
+              <a:t>&gt;</a:t>
+            </a:r>
+          </a:p>
+          <a:p>
+            <a:r>
+              <a:rPr lang="pt-BR" dirty="0" err="1" smtClean="0"/>
+              <a:t>Bold</a:t>
+            </a:r>
+            <a:r>
+              <a:rPr lang="pt-BR" dirty="0" smtClean="0"/>
+              <a:t> </a:t>
+            </a:r>
+            <a:r>
+              <a:rPr lang="pt-BR" dirty="0"/>
+              <a:t>&lt;</a:t>
+            </a:r>
+            <a:r>
+              <a:rPr lang="pt-BR" dirty="0" smtClean="0"/>
+              <a:t>b&gt;</a:t>
+            </a:r>
+          </a:p>
+          <a:p>
+            <a:r>
+              <a:rPr lang="es-ES" dirty="0" err="1"/>
+              <a:t>Image</a:t>
+            </a:r>
+            <a:r>
+              <a:rPr lang="es-ES" dirty="0"/>
+              <a:t> </a:t>
+            </a:r>
+            <a:r>
+              <a:rPr lang="en-GB" dirty="0"/>
+              <a:t>&lt;</a:t>
+            </a:r>
+            <a:r>
+              <a:rPr lang="en-GB" dirty="0" err="1"/>
+              <a:t>img</a:t>
+            </a:r>
+            <a:r>
+              <a:rPr lang="en-GB" dirty="0" smtClean="0"/>
+              <a:t>&gt;</a:t>
+            </a:r>
+            <a:endParaRPr lang="es-ES" dirty="0" smtClean="0"/>
+          </a:p>
+          <a:p>
+            <a:r>
+              <a:rPr lang="es-ES" dirty="0" err="1" smtClean="0"/>
+              <a:t>Table</a:t>
+            </a:r>
+            <a:r>
+              <a:rPr lang="es-ES" dirty="0" smtClean="0"/>
+              <a:t> </a:t>
+            </a:r>
+            <a:r>
+              <a:rPr lang="pt-BR" dirty="0" smtClean="0"/>
+              <a:t>&lt;</a:t>
+            </a:r>
+            <a:r>
+              <a:rPr lang="pt-BR" dirty="0" err="1" smtClean="0"/>
+              <a:t>table</a:t>
+            </a:r>
+            <a:r>
+              <a:rPr lang="pt-BR" dirty="0" smtClean="0"/>
+              <a:t>&gt;, &lt;</a:t>
+            </a:r>
+            <a:r>
+              <a:rPr lang="pt-BR" dirty="0" err="1" smtClean="0"/>
+              <a:t>tr</a:t>
+            </a:r>
+            <a:r>
+              <a:rPr lang="pt-BR" dirty="0" smtClean="0"/>
+              <a:t>&gt;,</a:t>
+            </a:r>
+            <a:r>
+              <a:rPr lang="pt-BR" dirty="0"/>
+              <a:t> </a:t>
+            </a:r>
+            <a:r>
+              <a:rPr lang="pt-BR" dirty="0" smtClean="0"/>
+              <a:t>&lt;</a:t>
+            </a:r>
+            <a:r>
+              <a:rPr lang="pt-BR" dirty="0" err="1" smtClean="0"/>
+              <a:t>td</a:t>
+            </a:r>
+            <a:r>
+              <a:rPr lang="pt-BR" dirty="0" smtClean="0"/>
+              <a:t>&gt;</a:t>
+            </a:r>
+          </a:p>
+          <a:p>
+            <a:r>
+              <a:rPr lang="es-ES" dirty="0" err="1"/>
+              <a:t>Div</a:t>
+            </a:r>
+            <a:r>
+              <a:rPr lang="es-ES" dirty="0"/>
+              <a:t>	</a:t>
+            </a:r>
+            <a:r>
+              <a:rPr lang="en-GB" dirty="0"/>
+              <a:t> &lt;div&gt;</a:t>
+            </a:r>
+            <a:endParaRPr lang="pt-BR" dirty="0"/>
+          </a:p>
+          <a:p>
+            <a:pPr marL="0" indent="0">
+              <a:buNone/>
+            </a:pPr>
+            <a:endParaRPr lang="es-ES" dirty="0" smtClean="0"/>
+          </a:p>
+          <a:p>
+            <a:endParaRPr lang="es-ES" dirty="0" smtClean="0"/>
+          </a:p>
+          <a:p>
+            <a:endParaRPr lang="en-GB" dirty="0"/>
+          </a:p>
+        </p:txBody>
+      </p:sp>
+    </p:spTree>
+    <p:extLst>
+      <p:ext uri="{BB962C8B-B14F-4D97-AF65-F5344CB8AC3E}">
+        <p14:creationId xmlns:p14="http://schemas.microsoft.com/office/powerpoint/2010/main" val="1702718553"/>
+      </p:ext>
+    </p:extLst>
+  </p:cSld>
+  <p:clrMapOvr>
+    <a:masterClrMapping/>
+  </p:clrMapOvr>
+</p:sld>
+</file>
+
+<file path=ppt/slides/slide17.xml><?xml version="1.0" encoding="utf-8"?>
+<p:sld xmlns:a="http://schemas.openxmlformats.org/drawingml/2006/main" xmlns:r="http://schemas.openxmlformats.org/officeDocument/2006/relationships" xmlns:p="http://schemas.openxmlformats.org/presentationml/2006/main">
+  <p:cSld>
+    <p:spTree>
+      <p:nvGrpSpPr>
+        <p:cNvPr id="1" name=""/>
+        <p:cNvGrpSpPr/>
+        <p:nvPr/>
+      </p:nvGrpSpPr>
+      <p:grpSpPr>
+        <a:xfrm>
+          <a:off x="0" y="0"/>
+          <a:ext cx="0" cy="0"/>
+          <a:chOff x="0" y="0"/>
+          <a:chExt cx="0" cy="0"/>
+        </a:xfrm>
+      </p:grpSpPr>
+      <p:sp>
+        <p:nvSpPr>
+          <p:cNvPr id="2" name="1 Título"/>
+          <p:cNvSpPr>
+            <a:spLocks noGrp="1"/>
+          </p:cNvSpPr>
+          <p:nvPr>
+            <p:ph type="title"/>
+          </p:nvPr>
+        </p:nvSpPr>
+        <p:spPr/>
+        <p:txBody>
+          <a:bodyPr/>
+          <a:lstStyle/>
+          <a:p>
+            <a:r>
+              <a:rPr lang="es-ES" dirty="0" smtClean="0"/>
+              <a:t>Enlaces de interés</a:t>
+            </a:r>
+            <a:endParaRPr lang="en-GB" dirty="0"/>
+          </a:p>
+        </p:txBody>
+      </p:sp>
+      <p:sp>
+        <p:nvSpPr>
+          <p:cNvPr id="3" name="2 Marcador de contenido"/>
+          <p:cNvSpPr>
+            <a:spLocks noGrp="1"/>
+          </p:cNvSpPr>
+          <p:nvPr>
+            <p:ph idx="1"/>
+          </p:nvPr>
+        </p:nvSpPr>
+        <p:spPr/>
+        <p:txBody>
+          <a:bodyPr/>
+          <a:lstStyle/>
+          <a:p>
+            <a:endParaRPr lang="en-GB" dirty="0" smtClean="0">
+              <a:hlinkClick r:id="rId2"/>
+            </a:endParaRPr>
+          </a:p>
+          <a:p>
+            <a:r>
+              <a:rPr lang="es-ES" dirty="0"/>
+              <a:t>Redes de computadoras- </a:t>
+            </a:r>
+            <a:r>
+              <a:rPr lang="es-ES" dirty="0" err="1"/>
+              <a:t>Tanenbaum</a:t>
+            </a:r>
+            <a:r>
+              <a:rPr lang="es-ES" dirty="0"/>
+              <a:t> – </a:t>
+            </a:r>
+            <a:r>
+              <a:rPr lang="es-ES" dirty="0" smtClean="0"/>
+              <a:t>1.3- </a:t>
+            </a:r>
+            <a:r>
+              <a:rPr lang="es-ES" dirty="0" err="1"/>
+              <a:t>pag</a:t>
+            </a:r>
+            <a:r>
+              <a:rPr lang="es-ES" dirty="0"/>
+              <a:t> </a:t>
+            </a:r>
+            <a:r>
+              <a:rPr lang="es-ES" dirty="0" smtClean="0"/>
+              <a:t>25 </a:t>
+            </a:r>
+            <a:r>
+              <a:rPr lang="es-ES" dirty="0"/>
+              <a:t>a </a:t>
+            </a:r>
+            <a:r>
+              <a:rPr lang="es-ES" dirty="0" smtClean="0"/>
+              <a:t>30.</a:t>
+            </a:r>
+            <a:endParaRPr lang="es-ES" dirty="0"/>
+          </a:p>
+          <a:p>
+            <a:pPr marL="0" indent="0">
+              <a:buNone/>
+            </a:pPr>
+            <a:endParaRPr lang="es-ES" dirty="0" smtClean="0"/>
+          </a:p>
+          <a:p>
+            <a:r>
+              <a:rPr lang="es-ES" dirty="0" smtClean="0"/>
+              <a:t>Redes </a:t>
+            </a:r>
+            <a:r>
+              <a:rPr lang="es-ES" dirty="0" smtClean="0"/>
+              <a:t>de computadoras- </a:t>
+            </a:r>
+            <a:r>
+              <a:rPr lang="es-ES" dirty="0" err="1" smtClean="0"/>
+              <a:t>Tanenbaum</a:t>
+            </a:r>
+            <a:r>
+              <a:rPr lang="es-ES" dirty="0" smtClean="0"/>
+              <a:t> – 7.3.1- </a:t>
+            </a:r>
+            <a:r>
+              <a:rPr lang="es-ES" dirty="0" err="1" smtClean="0"/>
+              <a:t>pag</a:t>
+            </a:r>
+            <a:r>
+              <a:rPr lang="es-ES" dirty="0" smtClean="0"/>
+              <a:t> 556 a 569.</a:t>
+            </a:r>
+          </a:p>
+          <a:p>
+            <a:endParaRPr lang="en-GB" dirty="0"/>
+          </a:p>
+        </p:txBody>
+      </p:sp>
+    </p:spTree>
+    <p:extLst>
+      <p:ext uri="{BB962C8B-B14F-4D97-AF65-F5344CB8AC3E}">
+        <p14:creationId xmlns:p14="http://schemas.microsoft.com/office/powerpoint/2010/main" val="1617905666"/>
+      </p:ext>
+    </p:extLst>
+  </p:cSld>
+  <p:clrMapOvr>
+    <a:masterClrMapping/>
+  </p:clrMapOvr>
+  <p:timing>
+    <p:tnLst>
+      <p:par>
+        <p:cTn id="1" dur="indefinite" restart="never" nodeType="tmRoot"/>
+      </p:par>
+    </p:tnLst>
+  </p:timing>
+</p:sld>
+</file>
+
+<file path=ppt/slides/slide18.xml><?xml version="1.0" encoding="utf-8"?>
+<p:sld xmlns:a="http://schemas.openxmlformats.org/drawingml/2006/main" xmlns:r="http://schemas.openxmlformats.org/officeDocument/2006/relationships" xmlns:p="http://schemas.openxmlformats.org/presentationml/2006/main">
+  <p:cSld>
+    <p:spTree>
+      <p:nvGrpSpPr>
+        <p:cNvPr id="1" name=""/>
+        <p:cNvGrpSpPr/>
+        <p:nvPr/>
+      </p:nvGrpSpPr>
+      <p:grpSpPr>
+        <a:xfrm>
+          <a:off x="0" y="0"/>
+          <a:ext cx="0" cy="0"/>
+          <a:chOff x="0" y="0"/>
+          <a:chExt cx="0" cy="0"/>
+        </a:xfrm>
+      </p:grpSpPr>
+      <p:pic>
+        <p:nvPicPr>
+          <p:cNvPr id="4" name="3 Imagen"/>
+          <p:cNvPicPr>
+            <a:picLocks noChangeAspect="1"/>
+          </p:cNvPicPr>
+          <p:nvPr/>
+        </p:nvPicPr>
+        <p:blipFill>
+          <a:blip r:embed="rId2">
+            <a:extLst>
+              <a:ext uri="{28A0092B-C50C-407E-A947-70E740481C1C}">
+                <a14:useLocalDpi xmlns:a14="http://schemas.microsoft.com/office/drawing/2010/main" val="0"/>
+              </a:ext>
+            </a:extLst>
+          </a:blip>
+          <a:stretch>
+            <a:fillRect/>
+          </a:stretch>
+        </p:blipFill>
+        <p:spPr>
+          <a:xfrm>
+            <a:off x="1638605" y="1196752"/>
+            <a:ext cx="5935844" cy="4389341"/>
+          </a:xfrm>
+          <a:prstGeom prst="rect">
+            <a:avLst/>
+          </a:prstGeom>
+        </p:spPr>
+      </p:pic>
+    </p:spTree>
+    <p:extLst>
+      <p:ext uri="{BB962C8B-B14F-4D97-AF65-F5344CB8AC3E}">
+        <p14:creationId xmlns:p14="http://schemas.microsoft.com/office/powerpoint/2010/main" val="880585673"/>
+      </p:ext>
+    </p:extLst>
+  </p:cSld>
+  <p:clrMapOvr>
+    <a:masterClrMapping/>
+  </p:clrMapOvr>
+  <p:timing>
+    <p:tnLst>
+      <p:par>
+        <p:cTn id="1" dur="indefinite" restart="never" nodeType="tmRoot"/>
+      </p:par>
+    </p:tnLst>
+  </p:timing>
+</p:sld>
+</file>
+
 <file path=ppt/slides/slide2.xml><?xml version="1.0" encoding="utf-8"?>
 <p:sld xmlns:a="http://schemas.openxmlformats.org/drawingml/2006/main" xmlns:r="http://schemas.openxmlformats.org/officeDocument/2006/relationships" xmlns:p="http://schemas.openxmlformats.org/presentationml/2006/main">
   <p:cSld>
@@ -3665,7 +4920,7 @@
           <a:p>
             <a:r>
               <a:rPr lang="es-ES" dirty="0" smtClean="0"/>
-              <a:t>Arquitectura Cliente Servidor </a:t>
+              <a:t>RED- Diseño en capas</a:t>
             </a:r>
             <a:endParaRPr lang="en-GB" dirty="0"/>
           </a:p>
@@ -3695,11 +4950,458 @@
         </p:blipFill>
         <p:spPr>
           <a:xfrm>
-            <a:off x="2051720" y="3140968"/>
-            <a:ext cx="5308131" cy="2607928"/>
+            <a:off x="899592" y="1556792"/>
+            <a:ext cx="1782457" cy="4525963"/>
           </a:xfrm>
         </p:spPr>
       </p:pic>
+      <p:sp>
+        <p:nvSpPr>
+          <p:cNvPr id="5" name="4 CuadroTexto"/>
+          <p:cNvSpPr txBox="1"/>
+          <p:nvPr/>
+        </p:nvSpPr>
+        <p:spPr>
+          <a:xfrm>
+            <a:off x="3059832" y="1628800"/>
+            <a:ext cx="5400600" cy="646331"/>
+          </a:xfrm>
+          <a:prstGeom prst="rect">
+            <a:avLst/>
+          </a:prstGeom>
+          <a:noFill/>
+        </p:spPr>
+        <p:txBody>
+          <a:bodyPr wrap="square" rtlCol="0">
+            <a:spAutoFit/>
+          </a:bodyPr>
+          <a:lstStyle/>
+          <a:p>
+            <a:r>
+              <a:rPr lang="es-ES" dirty="0" smtClean="0"/>
+              <a:t>Define </a:t>
+            </a:r>
+            <a:r>
+              <a:rPr lang="es-ES" dirty="0"/>
+              <a:t>los protocolos que utilizan las aplicaciones para intercambiar </a:t>
+            </a:r>
+            <a:r>
+              <a:rPr lang="es-ES" dirty="0" smtClean="0"/>
+              <a:t>datos.</a:t>
+            </a:r>
+            <a:endParaRPr lang="en-GB" dirty="0"/>
+          </a:p>
+        </p:txBody>
+      </p:sp>
+      <p:sp>
+        <p:nvSpPr>
+          <p:cNvPr id="6" name="5 CuadroTexto"/>
+          <p:cNvSpPr txBox="1"/>
+          <p:nvPr/>
+        </p:nvSpPr>
+        <p:spPr>
+          <a:xfrm>
+            <a:off x="3131840" y="2780928"/>
+            <a:ext cx="5040560" cy="646331"/>
+          </a:xfrm>
+          <a:prstGeom prst="rect">
+            <a:avLst/>
+          </a:prstGeom>
+          <a:noFill/>
+        </p:spPr>
+        <p:txBody>
+          <a:bodyPr wrap="square" rtlCol="0">
+            <a:spAutoFit/>
+          </a:bodyPr>
+          <a:lstStyle/>
+          <a:p>
+            <a:r>
+              <a:rPr lang="es-ES" dirty="0"/>
+              <a:t> </a:t>
+            </a:r>
+            <a:r>
+              <a:rPr lang="es-ES" dirty="0" smtClean="0"/>
+              <a:t>Transferencia </a:t>
+            </a:r>
+            <a:r>
+              <a:rPr lang="es-ES" dirty="0"/>
+              <a:t>libre de errores de los datos entre el emisor y el receptor, </a:t>
+            </a:r>
+            <a:r>
+              <a:rPr lang="es-ES" dirty="0" smtClean="0"/>
+              <a:t>control de flujo.</a:t>
+            </a:r>
+            <a:endParaRPr lang="en-GB" dirty="0"/>
+          </a:p>
+        </p:txBody>
+      </p:sp>
+      <p:sp>
+        <p:nvSpPr>
+          <p:cNvPr id="7" name="6 CuadroTexto"/>
+          <p:cNvSpPr txBox="1"/>
+          <p:nvPr/>
+        </p:nvSpPr>
+        <p:spPr>
+          <a:xfrm>
+            <a:off x="3131840" y="4005064"/>
+            <a:ext cx="5184576" cy="646331"/>
+          </a:xfrm>
+          <a:prstGeom prst="rect">
+            <a:avLst/>
+          </a:prstGeom>
+          <a:noFill/>
+        </p:spPr>
+        <p:txBody>
+          <a:bodyPr wrap="square" rtlCol="0">
+            <a:spAutoFit/>
+          </a:bodyPr>
+          <a:lstStyle/>
+          <a:p>
+            <a:r>
+              <a:rPr lang="es-ES" dirty="0" smtClean="0"/>
+              <a:t>Conseguir </a:t>
+            </a:r>
+            <a:r>
+              <a:rPr lang="es-ES" dirty="0"/>
+              <a:t>que los datos lleguen desde el origen al destino aunque no tengan conexión </a:t>
+            </a:r>
+            <a:r>
+              <a:rPr lang="es-ES" dirty="0" smtClean="0"/>
+              <a:t>directa.</a:t>
+            </a:r>
+            <a:endParaRPr lang="en-GB" dirty="0"/>
+          </a:p>
+        </p:txBody>
+      </p:sp>
+      <p:sp>
+        <p:nvSpPr>
+          <p:cNvPr id="8" name="7 CuadroTexto"/>
+          <p:cNvSpPr txBox="1"/>
+          <p:nvPr/>
+        </p:nvSpPr>
+        <p:spPr>
+          <a:xfrm>
+            <a:off x="3203848" y="5085184"/>
+            <a:ext cx="5112568" cy="1200329"/>
+          </a:xfrm>
+          <a:prstGeom prst="rect">
+            <a:avLst/>
+          </a:prstGeom>
+          <a:noFill/>
+        </p:spPr>
+        <p:txBody>
+          <a:bodyPr wrap="square" rtlCol="0">
+            <a:spAutoFit/>
+          </a:bodyPr>
+          <a:lstStyle/>
+          <a:p>
+            <a:r>
+              <a:rPr lang="es-ES" dirty="0"/>
+              <a:t>Responsable de la transferencia fiable de información a través de un circuito de transmisión de datos entre dos maquinas directamente conectadas.</a:t>
+            </a:r>
+            <a:endParaRPr lang="en-GB" dirty="0"/>
+          </a:p>
+        </p:txBody>
+      </p:sp>
+    </p:spTree>
+    <p:extLst>
+      <p:ext uri="{BB962C8B-B14F-4D97-AF65-F5344CB8AC3E}">
+        <p14:creationId xmlns:p14="http://schemas.microsoft.com/office/powerpoint/2010/main" val="517835648"/>
+      </p:ext>
+    </p:extLst>
+  </p:cSld>
+  <p:clrMapOvr>
+    <a:masterClrMapping/>
+  </p:clrMapOvr>
+</p:sld>
+</file>
+
+<file path=ppt/slides/slide3.xml><?xml version="1.0" encoding="utf-8"?>
+<p:sld xmlns:a="http://schemas.openxmlformats.org/drawingml/2006/main" xmlns:r="http://schemas.openxmlformats.org/officeDocument/2006/relationships" xmlns:p="http://schemas.openxmlformats.org/presentationml/2006/main">
+  <p:cSld>
+    <p:spTree>
+      <p:nvGrpSpPr>
+        <p:cNvPr id="1" name=""/>
+        <p:cNvGrpSpPr/>
+        <p:nvPr/>
+      </p:nvGrpSpPr>
+      <p:grpSpPr>
+        <a:xfrm>
+          <a:off x="0" y="0"/>
+          <a:ext cx="0" cy="0"/>
+          <a:chOff x="0" y="0"/>
+          <a:chExt cx="0" cy="0"/>
+        </a:xfrm>
+      </p:grpSpPr>
+      <p:sp>
+        <p:nvSpPr>
+          <p:cNvPr id="2" name="1 Título"/>
+          <p:cNvSpPr>
+            <a:spLocks noGrp="1"/>
+          </p:cNvSpPr>
+          <p:nvPr>
+            <p:ph type="title"/>
+          </p:nvPr>
+        </p:nvSpPr>
+        <p:spPr/>
+        <p:txBody>
+          <a:bodyPr/>
+          <a:lstStyle/>
+          <a:p>
+            <a:r>
+              <a:rPr lang="es-ES" dirty="0" smtClean="0"/>
+              <a:t>RED- Envío de mensaje</a:t>
+            </a:r>
+            <a:endParaRPr lang="en-GB" dirty="0"/>
+          </a:p>
+        </p:txBody>
+      </p:sp>
+      <p:pic>
+        <p:nvPicPr>
+          <p:cNvPr id="4" name="3 Marcador de contenido"/>
+          <p:cNvPicPr>
+            <a:picLocks noGrp="1" noChangeAspect="1"/>
+          </p:cNvPicPr>
+          <p:nvPr>
+            <p:ph idx="1"/>
+          </p:nvPr>
+        </p:nvPicPr>
+        <p:blipFill>
+          <a:blip r:embed="rId2">
+            <a:extLst>
+              <a:ext uri="{28A0092B-C50C-407E-A947-70E740481C1C}">
+                <a14:useLocalDpi xmlns:a14="http://schemas.microsoft.com/office/drawing/2010/main" val="0"/>
+              </a:ext>
+            </a:extLst>
+          </a:blip>
+          <a:stretch>
+            <a:fillRect/>
+          </a:stretch>
+        </p:blipFill>
+        <p:spPr>
+          <a:xfrm>
+            <a:off x="728983" y="1600200"/>
+            <a:ext cx="7686034" cy="4525963"/>
+          </a:xfrm>
+        </p:spPr>
+      </p:pic>
+    </p:spTree>
+    <p:extLst>
+      <p:ext uri="{BB962C8B-B14F-4D97-AF65-F5344CB8AC3E}">
+        <p14:creationId xmlns:p14="http://schemas.microsoft.com/office/powerpoint/2010/main" val="4135169601"/>
+      </p:ext>
+    </p:extLst>
+  </p:cSld>
+  <p:clrMapOvr>
+    <a:masterClrMapping/>
+  </p:clrMapOvr>
+</p:sld>
+</file>
+
+<file path=ppt/slides/slide4.xml><?xml version="1.0" encoding="utf-8"?>
+<p:sld xmlns:a="http://schemas.openxmlformats.org/drawingml/2006/main" xmlns:r="http://schemas.openxmlformats.org/officeDocument/2006/relationships" xmlns:p="http://schemas.openxmlformats.org/presentationml/2006/main">
+  <p:cSld>
+    <p:spTree>
+      <p:nvGrpSpPr>
+        <p:cNvPr id="1" name=""/>
+        <p:cNvGrpSpPr/>
+        <p:nvPr/>
+      </p:nvGrpSpPr>
+      <p:grpSpPr>
+        <a:xfrm>
+          <a:off x="0" y="0"/>
+          <a:ext cx="0" cy="0"/>
+          <a:chOff x="0" y="0"/>
+          <a:chExt cx="0" cy="0"/>
+        </a:xfrm>
+      </p:grpSpPr>
+      <p:sp>
+        <p:nvSpPr>
+          <p:cNvPr id="2" name="1 Título"/>
+          <p:cNvSpPr>
+            <a:spLocks noGrp="1"/>
+          </p:cNvSpPr>
+          <p:nvPr>
+            <p:ph type="title"/>
+          </p:nvPr>
+        </p:nvSpPr>
+        <p:spPr/>
+        <p:txBody>
+          <a:bodyPr/>
+          <a:lstStyle/>
+          <a:p>
+            <a:r>
+              <a:rPr lang="es-ES" dirty="0" smtClean="0"/>
+              <a:t>RED-TCP/IP</a:t>
+            </a:r>
+            <a:endParaRPr lang="en-GB" dirty="0"/>
+          </a:p>
+        </p:txBody>
+      </p:sp>
+      <p:pic>
+        <p:nvPicPr>
+          <p:cNvPr id="4" name="3 Marcador de contenido"/>
+          <p:cNvPicPr>
+            <a:picLocks noGrp="1" noChangeAspect="1"/>
+          </p:cNvPicPr>
+          <p:nvPr>
+            <p:ph idx="1"/>
+          </p:nvPr>
+        </p:nvPicPr>
+        <p:blipFill>
+          <a:blip r:embed="rId2">
+            <a:extLst>
+              <a:ext uri="{28A0092B-C50C-407E-A947-70E740481C1C}">
+                <a14:useLocalDpi xmlns:a14="http://schemas.microsoft.com/office/drawing/2010/main" val="0"/>
+              </a:ext>
+            </a:extLst>
+          </a:blip>
+          <a:stretch>
+            <a:fillRect/>
+          </a:stretch>
+        </p:blipFill>
+        <p:spPr>
+          <a:xfrm>
+            <a:off x="1331640" y="1772816"/>
+            <a:ext cx="6696744" cy="4018046"/>
+          </a:xfrm>
+        </p:spPr>
+      </p:pic>
+    </p:spTree>
+    <p:extLst>
+      <p:ext uri="{BB962C8B-B14F-4D97-AF65-F5344CB8AC3E}">
+        <p14:creationId xmlns:p14="http://schemas.microsoft.com/office/powerpoint/2010/main" val="2736521334"/>
+      </p:ext>
+    </p:extLst>
+  </p:cSld>
+  <p:clrMapOvr>
+    <a:masterClrMapping/>
+  </p:clrMapOvr>
+</p:sld>
+</file>
+
+<file path=ppt/slides/slide5.xml><?xml version="1.0" encoding="utf-8"?>
+<p:sld xmlns:a="http://schemas.openxmlformats.org/drawingml/2006/main" xmlns:r="http://schemas.openxmlformats.org/officeDocument/2006/relationships" xmlns:p="http://schemas.openxmlformats.org/presentationml/2006/main">
+  <p:cSld>
+    <p:spTree>
+      <p:nvGrpSpPr>
+        <p:cNvPr id="1" name=""/>
+        <p:cNvGrpSpPr/>
+        <p:nvPr/>
+      </p:nvGrpSpPr>
+      <p:grpSpPr>
+        <a:xfrm>
+          <a:off x="0" y="0"/>
+          <a:ext cx="0" cy="0"/>
+          <a:chOff x="0" y="0"/>
+          <a:chExt cx="0" cy="0"/>
+        </a:xfrm>
+      </p:grpSpPr>
+      <p:sp>
+        <p:nvSpPr>
+          <p:cNvPr id="2" name="1 Título"/>
+          <p:cNvSpPr>
+            <a:spLocks noGrp="1"/>
+          </p:cNvSpPr>
+          <p:nvPr>
+            <p:ph type="title"/>
+          </p:nvPr>
+        </p:nvSpPr>
+        <p:spPr/>
+        <p:txBody>
+          <a:bodyPr/>
+          <a:lstStyle/>
+          <a:p>
+            <a:r>
+              <a:rPr lang="es-ES" dirty="0" smtClean="0"/>
+              <a:t>RED- Envío de mensaje</a:t>
+            </a:r>
+            <a:endParaRPr lang="en-GB" dirty="0"/>
+          </a:p>
+        </p:txBody>
+      </p:sp>
+      <p:pic>
+        <p:nvPicPr>
+          <p:cNvPr id="4" name="3 Marcador de contenido"/>
+          <p:cNvPicPr>
+            <a:picLocks noGrp="1" noChangeAspect="1"/>
+          </p:cNvPicPr>
+          <p:nvPr>
+            <p:ph idx="1"/>
+          </p:nvPr>
+        </p:nvPicPr>
+        <p:blipFill>
+          <a:blip r:embed="rId2">
+            <a:extLst>
+              <a:ext uri="{28A0092B-C50C-407E-A947-70E740481C1C}">
+                <a14:useLocalDpi xmlns:a14="http://schemas.microsoft.com/office/drawing/2010/main" val="0"/>
+              </a:ext>
+            </a:extLst>
+          </a:blip>
+          <a:stretch>
+            <a:fillRect/>
+          </a:stretch>
+        </p:blipFill>
+        <p:spPr>
+          <a:xfrm>
+            <a:off x="1536698" y="1600200"/>
+            <a:ext cx="6070603" cy="4525963"/>
+          </a:xfrm>
+        </p:spPr>
+      </p:pic>
+    </p:spTree>
+    <p:extLst>
+      <p:ext uri="{BB962C8B-B14F-4D97-AF65-F5344CB8AC3E}">
+        <p14:creationId xmlns:p14="http://schemas.microsoft.com/office/powerpoint/2010/main" val="1649078082"/>
+      </p:ext>
+    </p:extLst>
+  </p:cSld>
+  <p:clrMapOvr>
+    <a:masterClrMapping/>
+  </p:clrMapOvr>
+</p:sld>
+</file>
+
+<file path=ppt/slides/slide6.xml><?xml version="1.0" encoding="utf-8"?>
+<p:sld xmlns:a="http://schemas.openxmlformats.org/drawingml/2006/main" xmlns:r="http://schemas.openxmlformats.org/officeDocument/2006/relationships" xmlns:p="http://schemas.openxmlformats.org/presentationml/2006/main">
+  <p:cSld>
+    <p:spTree>
+      <p:nvGrpSpPr>
+        <p:cNvPr id="1" name=""/>
+        <p:cNvGrpSpPr/>
+        <p:nvPr/>
+      </p:nvGrpSpPr>
+      <p:grpSpPr>
+        <a:xfrm>
+          <a:off x="0" y="0"/>
+          <a:ext cx="0" cy="0"/>
+          <a:chOff x="0" y="0"/>
+          <a:chExt cx="0" cy="0"/>
+        </a:xfrm>
+      </p:grpSpPr>
+      <p:sp>
+        <p:nvSpPr>
+          <p:cNvPr id="2" name="1 Título"/>
+          <p:cNvSpPr>
+            <a:spLocks noGrp="1"/>
+          </p:cNvSpPr>
+          <p:nvPr>
+            <p:ph type="title"/>
+          </p:nvPr>
+        </p:nvSpPr>
+        <p:spPr/>
+        <p:txBody>
+          <a:bodyPr/>
+          <a:lstStyle/>
+          <a:p>
+            <a:r>
+              <a:rPr lang="es-ES" dirty="0" smtClean="0"/>
+              <a:t>Arquitectura Cliente Servidor </a:t>
+            </a:r>
+            <a:endParaRPr lang="en-GB" dirty="0"/>
+          </a:p>
+        </p:txBody>
+      </p:sp>
       <p:sp>
         <p:nvSpPr>
           <p:cNvPr id="5" name="4 CuadroTexto"/>
@@ -3737,7 +5439,7 @@
             </a:r>
             <a:r>
               <a:rPr lang="es-ES" dirty="0">
-                <a:hlinkClick r:id="rId3" tooltip="Servidor"/>
+                <a:hlinkClick r:id="rId2" tooltip="Servidor"/>
               </a:rPr>
               <a:t>servidores</a:t>
             </a:r>
@@ -3747,7 +5449,7 @@
             </a:r>
             <a:r>
               <a:rPr lang="es-ES" dirty="0">
-                <a:hlinkClick r:id="rId4" tooltip="Cliente (informática)"/>
+                <a:hlinkClick r:id="rId3" tooltip="Cliente (informática)"/>
               </a:rPr>
               <a:t>clientes</a:t>
             </a:r>
@@ -3755,6 +5457,35 @@
           </a:p>
         </p:txBody>
       </p:sp>
+      <p:pic>
+        <p:nvPicPr>
+          <p:cNvPr id="6" name="5 Marcador de contenido"/>
+          <p:cNvPicPr>
+            <a:picLocks noGrp="1" noChangeAspect="1"/>
+          </p:cNvPicPr>
+          <p:nvPr>
+            <p:ph idx="1"/>
+          </p:nvPr>
+        </p:nvPicPr>
+        <p:blipFill>
+          <a:blip r:embed="rId4">
+            <a:extLst>
+              <a:ext uri="{28A0092B-C50C-407E-A947-70E740481C1C}">
+                <a14:useLocalDpi xmlns:a14="http://schemas.microsoft.com/office/drawing/2010/main" val="0"/>
+              </a:ext>
+            </a:extLst>
+          </a:blip>
+          <a:stretch>
+            <a:fillRect/>
+          </a:stretch>
+        </p:blipFill>
+        <p:spPr>
+          <a:xfrm>
+            <a:off x="2555776" y="3068960"/>
+            <a:ext cx="4248472" cy="2493984"/>
+          </a:xfrm>
+        </p:spPr>
+      </p:pic>
     </p:spTree>
     <p:extLst>
       <p:ext uri="{BB962C8B-B14F-4D97-AF65-F5344CB8AC3E}">
@@ -3775,7 +5506,7 @@
 </p:sld>
 </file>
 
-<file path=ppt/slides/slide3.xml><?xml version="1.0" encoding="utf-8"?>
+<file path=ppt/slides/slide7.xml><?xml version="1.0" encoding="utf-8"?>
 <p:sld xmlns:a="http://schemas.openxmlformats.org/drawingml/2006/main" xmlns:r="http://schemas.openxmlformats.org/officeDocument/2006/relationships" xmlns:p="http://schemas.openxmlformats.org/presentationml/2006/main">
   <p:cSld>
     <p:spTree>
@@ -3954,7 +5685,7 @@
 </p:sld>
 </file>
 
-<file path=ppt/slides/slide4.xml><?xml version="1.0" encoding="utf-8"?>
+<file path=ppt/slides/slide8.xml><?xml version="1.0" encoding="utf-8"?>
 <p:sld xmlns:a="http://schemas.openxmlformats.org/drawingml/2006/main" xmlns:r="http://schemas.openxmlformats.org/officeDocument/2006/relationships" xmlns:p="http://schemas.openxmlformats.org/presentationml/2006/main">
   <p:cSld>
     <p:spTree>
@@ -3986,6 +5717,10 @@
           <a:bodyPr/>
           <a:lstStyle/>
           <a:p>
+            <a:r>
+              <a:rPr lang="es-ES" dirty="0" smtClean="0"/>
+              <a:t>Internet</a:t>
+            </a:r>
             <a:endParaRPr lang="en-GB" dirty="0"/>
           </a:p>
         </p:txBody>
@@ -4000,94 +5735,160 @@
             <p:ph idx="1"/>
           </p:nvPr>
         </p:nvSpPr>
-        <p:spPr/>
-        <p:txBody>
-          <a:bodyPr/>
-          <a:lstStyle/>
-          <a:p>
+        <p:spPr>
+          <a:xfrm>
+            <a:off x="457200" y="1600200"/>
+            <a:ext cx="8003232" cy="4525963"/>
+          </a:xfrm>
+        </p:spPr>
+        <p:txBody>
+          <a:bodyPr/>
+          <a:lstStyle/>
+          <a:p>
+            <a:pPr marL="0" indent="0">
+              <a:buNone/>
+            </a:pPr>
+            <a:endParaRPr lang="es-ES" dirty="0" smtClean="0"/>
+          </a:p>
+          <a:p>
+            <a:pPr marL="0" indent="0">
+              <a:buNone/>
+            </a:pPr>
+            <a:r>
+              <a:rPr lang="es-ES" dirty="0" smtClean="0"/>
+              <a:t>	</a:t>
+            </a:r>
+          </a:p>
+          <a:p>
+            <a:pPr marL="0" indent="0" algn="ctr">
+              <a:buNone/>
+            </a:pPr>
             <a:r>
               <a:rPr lang="es-ES" dirty="0"/>
-              <a:t>Capas de </a:t>
+              <a:t>	</a:t>
             </a:r>
             <a:r>
               <a:rPr lang="es-ES" dirty="0" smtClean="0"/>
-              <a:t>red – comunicaciones(</a:t>
-            </a:r>
-            <a:r>
-              <a:rPr lang="es-ES" dirty="0" err="1" smtClean="0"/>
-              <a:t>ip:port</a:t>
+              <a:t>HTTP, SMTP, FTP, IRC, SSH</a:t>
+            </a:r>
+          </a:p>
+          <a:p>
+            <a:pPr marL="0" indent="0" algn="ctr">
+              <a:buNone/>
+            </a:pPr>
+            <a:endParaRPr lang="es-ES" dirty="0" smtClean="0"/>
+          </a:p>
+          <a:p>
+            <a:pPr marL="0" indent="0" algn="ctr">
+              <a:buNone/>
+            </a:pPr>
+            <a:r>
+              <a:rPr lang="es-ES" dirty="0" smtClean="0"/>
+              <a:t>URL (</a:t>
+            </a:r>
+            <a:r>
+              <a:rPr lang="en-GB" i="1" dirty="0"/>
+              <a:t>Uniform Resource Locator</a:t>
             </a:r>
             <a:r>
               <a:rPr lang="es-ES" dirty="0" smtClean="0"/>
               <a:t>)</a:t>
             </a:r>
-          </a:p>
-          <a:p>
+            <a:r>
+              <a:rPr lang="en-GB" dirty="0">
+                <a:hlinkClick r:id="rId2"/>
+              </a:rPr>
+              <a:t> </a:t>
+            </a:r>
+            <a:endParaRPr lang="en-GB" dirty="0" smtClean="0">
+              <a:hlinkClick r:id="rId2"/>
+            </a:endParaRPr>
+          </a:p>
+          <a:p>
+            <a:pPr marL="0" indent="0" algn="ctr">
+              <a:buNone/>
+            </a:pPr>
+            <a:r>
+              <a:rPr lang="en-GB" dirty="0" smtClean="0">
+                <a:hlinkClick r:id="rId2"/>
+              </a:rPr>
+              <a:t>https</a:t>
+            </a:r>
+            <a:r>
+              <a:rPr lang="en-GB" dirty="0">
+                <a:hlinkClick r:id="rId2"/>
+              </a:rPr>
+              <a:t>://es.wikipedia.org/wiki/Localizador_de_recursos_uniforme</a:t>
+            </a:r>
+            <a:endParaRPr lang="es-ES" dirty="0" smtClean="0"/>
+          </a:p>
+        </p:txBody>
+      </p:sp>
+      <p:sp>
+        <p:nvSpPr>
+          <p:cNvPr id="4" name="3 CuadroTexto"/>
+          <p:cNvSpPr txBox="1"/>
+          <p:nvPr/>
+        </p:nvSpPr>
+        <p:spPr>
+          <a:xfrm>
+            <a:off x="1043608" y="1700808"/>
+            <a:ext cx="7344816" cy="923330"/>
+          </a:xfrm>
+          <a:prstGeom prst="rect">
+            <a:avLst/>
+          </a:prstGeom>
+          <a:noFill/>
+        </p:spPr>
+        <p:txBody>
+          <a:bodyPr wrap="square" rtlCol="0">
+            <a:spAutoFit/>
+          </a:bodyPr>
+          <a:lstStyle/>
+          <a:p>
+            <a:r>
+              <a:rPr lang="es-ES" dirty="0"/>
+              <a:t>Conjunto </a:t>
+            </a:r>
             <a:r>
               <a:rPr lang="es-ES" dirty="0" smtClean="0"/>
-              <a:t>http</a:t>
-            </a:r>
-          </a:p>
-          <a:p>
-            <a:r>
-              <a:rPr lang="es-ES" dirty="0" smtClean="0"/>
-              <a:t>Internet</a:t>
-            </a:r>
-          </a:p>
-          <a:p>
-            <a:r>
-              <a:rPr lang="es-ES" dirty="0" smtClean="0"/>
-              <a:t>Servers – apátrida – </a:t>
-            </a:r>
-            <a:r>
-              <a:rPr lang="es-ES" dirty="0" err="1" smtClean="0"/>
-              <a:t>stateful</a:t>
-            </a:r>
-            <a:endParaRPr lang="es-ES" dirty="0" smtClean="0"/>
-          </a:p>
-          <a:p>
-            <a:r>
-              <a:rPr lang="es-ES" dirty="0" smtClean="0"/>
-              <a:t>Arquitectura </a:t>
-            </a:r>
-            <a:r>
-              <a:rPr lang="es-ES" dirty="0" err="1" smtClean="0"/>
-              <a:t>multiples</a:t>
-            </a:r>
-            <a:r>
-              <a:rPr lang="es-ES" dirty="0" smtClean="0"/>
-              <a:t> capas </a:t>
-            </a:r>
-          </a:p>
-          <a:p>
-            <a:r>
-              <a:rPr lang="es-ES" dirty="0" smtClean="0"/>
-              <a:t>Ventajas desventajas</a:t>
-            </a:r>
+              <a:t>redes de </a:t>
+            </a:r>
+            <a:r>
+              <a:rPr lang="es-ES" dirty="0"/>
+              <a:t>físicas </a:t>
+            </a:r>
+            <a:r>
+              <a:rPr lang="es-ES" dirty="0">
+                <a:hlinkClick r:id="rId3" tooltip="wikt:heterogéneo"/>
+              </a:rPr>
+              <a:t>heterogéneas</a:t>
+            </a:r>
+            <a:r>
+              <a:rPr lang="es-ES" dirty="0"/>
+              <a:t>  interconectadas en una red lógica única de alcance mundial.</a:t>
+            </a:r>
+            <a:endParaRPr lang="en-GB" dirty="0"/>
+          </a:p>
+          <a:p>
+            <a:endParaRPr lang="en-GB" dirty="0"/>
           </a:p>
         </p:txBody>
       </p:sp>
     </p:spTree>
     <p:extLst>
       <p:ext uri="{BB962C8B-B14F-4D97-AF65-F5344CB8AC3E}">
-        <p14:creationId xmlns:p14="http://schemas.microsoft.com/office/powerpoint/2010/main" val="2681340941"/>
+        <p14:creationId xmlns:p14="http://schemas.microsoft.com/office/powerpoint/2010/main" val="1705741849"/>
       </p:ext>
     </p:extLst>
   </p:cSld>
   <p:clrMapOvr>
     <a:masterClrMapping/>
   </p:clrMapOvr>
-  <p:timing>
-    <p:tnLst>
-      <p:par>
-        <p:cTn id="1" dur="indefinite" restart="never" nodeType="tmRoot"/>
-      </p:par>
-    </p:tnLst>
-  </p:timing>
 </p:sld>
 </file>
 
-<file path=ppt/slides/slide5.xml><?xml version="1.0" encoding="utf-8"?>
+<file path=ppt/slides/slide9.xml><?xml version="1.0" encoding="utf-8"?>
 <p:sld xmlns:a="http://schemas.openxmlformats.org/drawingml/2006/main" xmlns:r="http://schemas.openxmlformats.org/officeDocument/2006/relationships" xmlns:p="http://schemas.openxmlformats.org/presentationml/2006/main">
   <p:cSld>
     <p:spTree>
@@ -4121,7 +5922,7 @@
           <a:p>
             <a:r>
               <a:rPr lang="es-ES" dirty="0" smtClean="0"/>
-              <a:t>Enlaces de interés</a:t>
+              <a:t>Internet-DNS</a:t>
             </a:r>
             <a:endParaRPr lang="en-GB" dirty="0"/>
           </a:p>
@@ -4142,74 +5943,38 @@
           <a:bodyPr/>
           <a:lstStyle/>
           <a:p>
-            <a:endParaRPr lang="en-GB" dirty="0" smtClean="0">
-              <a:hlinkClick r:id="rId2"/>
-            </a:endParaRPr>
-          </a:p>
-          <a:p>
+            <a:pPr algn="ctr"/>
             <a:r>
               <a:rPr lang="es-ES" dirty="0" smtClean="0"/>
-              <a:t>Redes de computadoras- </a:t>
-            </a:r>
-            <a:r>
-              <a:rPr lang="es-ES" dirty="0" err="1" smtClean="0"/>
-              <a:t>Tanenbaum</a:t>
+              <a:t>Su función es </a:t>
+            </a:r>
+            <a:r>
+              <a:rPr lang="es-ES" dirty="0"/>
+              <a:t>"traducir" nombres inteligibles para las personas en identificadores binarios asociados con los </a:t>
             </a:r>
             <a:r>
               <a:rPr lang="es-ES" dirty="0" smtClean="0"/>
-              <a:t> – 7.3.1- </a:t>
-            </a:r>
-            <a:r>
-              <a:rPr lang="es-ES" dirty="0" err="1" smtClean="0"/>
-              <a:t>pag</a:t>
+              <a:t>equipos </a:t>
+            </a:r>
+            <a:r>
+              <a:rPr lang="es-ES" dirty="0"/>
+              <a:t>conectados a la </a:t>
             </a:r>
             <a:r>
               <a:rPr lang="es-ES" dirty="0" smtClean="0"/>
-              <a:t> 556 a 569.</a:t>
-            </a:r>
-          </a:p>
-          <a:p>
+              <a:t>red.</a:t>
+            </a:r>
+          </a:p>
+          <a:p>
+            <a:pPr algn="ctr"/>
+            <a:endParaRPr lang="es-ES" dirty="0"/>
+          </a:p>
+          <a:p>
+            <a:pPr algn="ctr"/>
             <a:endParaRPr lang="en-GB" dirty="0"/>
           </a:p>
         </p:txBody>
       </p:sp>
-    </p:spTree>
-    <p:extLst>
-      <p:ext uri="{BB962C8B-B14F-4D97-AF65-F5344CB8AC3E}">
-        <p14:creationId xmlns:p14="http://schemas.microsoft.com/office/powerpoint/2010/main" val="1617905666"/>
-      </p:ext>
-    </p:extLst>
-  </p:cSld>
-  <p:clrMapOvr>
-    <a:masterClrMapping/>
-  </p:clrMapOvr>
-  <p:timing>
-    <p:tnLst>
-      <p:par>
-        <p:cTn id="1" dur="indefinite" restart="never" nodeType="tmRoot"/>
-      </p:par>
-    </p:tnLst>
-  </p:timing>
-</p:sld>
-</file>
-
-<file path=ppt/slides/slide6.xml><?xml version="1.0" encoding="utf-8"?>
-<p:sld xmlns:a="http://schemas.openxmlformats.org/drawingml/2006/main" xmlns:r="http://schemas.openxmlformats.org/officeDocument/2006/relationships" xmlns:p="http://schemas.openxmlformats.org/presentationml/2006/main">
-  <p:cSld>
-    <p:spTree>
-      <p:nvGrpSpPr>
-        <p:cNvPr id="1" name=""/>
-        <p:cNvGrpSpPr/>
-        <p:nvPr/>
-      </p:nvGrpSpPr>
-      <p:grpSpPr>
-        <a:xfrm>
-          <a:off x="0" y="0"/>
-          <a:ext cx="0" cy="0"/>
-          <a:chOff x="0" y="0"/>
-          <a:chExt cx="0" cy="0"/>
-        </a:xfrm>
-      </p:grpSpPr>
       <p:pic>
         <p:nvPicPr>
           <p:cNvPr id="4" name="3 Imagen"/>
@@ -4232,8 +5997,8 @@
         </p:blipFill>
         <p:spPr>
           <a:xfrm>
-            <a:off x="1638605" y="1196752"/>
-            <a:ext cx="5935844" cy="4389341"/>
+            <a:off x="2483768" y="3428999"/>
+            <a:ext cx="3888432" cy="2809875"/>
           </a:xfrm>
           <a:prstGeom prst="rect">
             <a:avLst/>
@@ -4243,20 +6008,13 @@
     </p:spTree>
     <p:extLst>
       <p:ext uri="{BB962C8B-B14F-4D97-AF65-F5344CB8AC3E}">
-        <p14:creationId xmlns:p14="http://schemas.microsoft.com/office/powerpoint/2010/main" val="880585673"/>
+        <p14:creationId xmlns:p14="http://schemas.microsoft.com/office/powerpoint/2010/main" val="1567270642"/>
       </p:ext>
     </p:extLst>
   </p:cSld>
   <p:clrMapOvr>
     <a:masterClrMapping/>
   </p:clrMapOvr>
-  <p:timing>
-    <p:tnLst>
-      <p:par>
-        <p:cTn id="1" dur="indefinite" restart="never" nodeType="tmRoot"/>
-      </p:par>
-    </p:tnLst>
-  </p:timing>
 </p:sld>
 </file>
 
